--- a/constellation.pptx
+++ b/constellation.pptx
@@ -5,12 +5,13 @@
     <p:sldMasterId id="2147483660" r:id="rId1"/>
   </p:sldMasterIdLst>
   <p:notesMasterIdLst>
-    <p:notesMasterId r:id="rId5"/>
+    <p:notesMasterId r:id="rId6"/>
   </p:notesMasterIdLst>
   <p:sldIdLst>
     <p:sldId id="259" r:id="rId2"/>
     <p:sldId id="261" r:id="rId3"/>
     <p:sldId id="262" r:id="rId4"/>
+    <p:sldId id="263" r:id="rId5"/>
   </p:sldIdLst>
   <p:sldSz cx="21599525" cy="21599525"/>
   <p:notesSz cx="6858000" cy="9144000"/>
@@ -131,7 +132,7 @@
 <file path=ppt/revisionInfo.xml><?xml version="1.0" encoding="utf-8"?>
 <p1510:revInfo xmlns:a="http://schemas.openxmlformats.org/drawingml/2006/main" xmlns:r="http://schemas.openxmlformats.org/officeDocument/2006/relationships" xmlns:p1510="http://schemas.microsoft.com/office/powerpoint/2015/10/main">
   <p1510:revLst>
-    <p1510:client id="{0F16ECB1-8E30-47DD-9BD3-5664B480F5D6}" v="137" dt="2025-04-02T09:59:12.965"/>
+    <p1510:client id="{0F16ECB1-8E30-47DD-9BD3-5664B480F5D6}" v="149" dt="2025-04-02T11:05:00.962"/>
     <p1510:client id="{410AB478-A58D-4001-9BF1-20DADEA338D7}" v="8" dt="2025-04-02T04:56:18.909"/>
   </p1510:revLst>
 </p1510:revInfo>
@@ -141,8 +142,8 @@
 <pc:chgInfo xmlns:a="http://schemas.openxmlformats.org/drawingml/2006/main" xmlns:r="http://schemas.openxmlformats.org/officeDocument/2006/relationships" xmlns:ac="http://schemas.microsoft.com/office/drawing/2013/main/command" xmlns:pc="http://schemas.microsoft.com/office/powerpoint/2013/main/command">
   <pc:docChgLst>
     <pc:chgData name="Grace Kim" userId="620f565bd6c63822" providerId="LiveId" clId="{0F16ECB1-8E30-47DD-9BD3-5664B480F5D6}"/>
-    <pc:docChg chg="undo custSel addSld delSld modSld">
-      <pc:chgData name="Grace Kim" userId="620f565bd6c63822" providerId="LiveId" clId="{0F16ECB1-8E30-47DD-9BD3-5664B480F5D6}" dt="2025-04-02T09:59:33.672" v="677" actId="47"/>
+    <pc:docChg chg="undo redo custSel addSld delSld modSld">
+      <pc:chgData name="Grace Kim" userId="620f565bd6c63822" providerId="LiveId" clId="{0F16ECB1-8E30-47DD-9BD3-5664B480F5D6}" dt="2025-04-02T11:48:19.905" v="745" actId="688"/>
       <pc:docMkLst>
         <pc:docMk/>
       </pc:docMkLst>
@@ -1468,13 +1469,13 @@
         </pc:sldMkLst>
       </pc:sldChg>
       <pc:sldChg chg="addSp delSp modSp add mod">
-        <pc:chgData name="Grace Kim" userId="620f565bd6c63822" providerId="LiveId" clId="{0F16ECB1-8E30-47DD-9BD3-5664B480F5D6}" dt="2025-04-02T09:59:12.965" v="674" actId="164"/>
+        <pc:chgData name="Grace Kim" userId="620f565bd6c63822" providerId="LiveId" clId="{0F16ECB1-8E30-47DD-9BD3-5664B480F5D6}" dt="2025-04-02T11:48:12.693" v="744" actId="688"/>
         <pc:sldMkLst>
           <pc:docMk/>
           <pc:sldMk cId="2810433870" sldId="262"/>
         </pc:sldMkLst>
         <pc:spChg chg="mod">
-          <ac:chgData name="Grace Kim" userId="620f565bd6c63822" providerId="LiveId" clId="{0F16ECB1-8E30-47DD-9BD3-5664B480F5D6}" dt="2025-04-02T09:59:03.193" v="672" actId="1076"/>
+          <ac:chgData name="Grace Kim" userId="620f565bd6c63822" providerId="LiveId" clId="{0F16ECB1-8E30-47DD-9BD3-5664B480F5D6}" dt="2025-04-02T11:48:12.693" v="744" actId="688"/>
           <ac:spMkLst>
             <pc:docMk/>
             <pc:sldMk cId="2810433870" sldId="262"/>
@@ -2263,6 +2264,245 @@
             <pc:docMk/>
             <pc:sldMk cId="2810433870" sldId="262"/>
             <ac:cxnSpMk id="67" creationId="{5F799999-DE47-F976-A1EF-7D550AEE7F25}"/>
+          </ac:cxnSpMkLst>
+        </pc:cxnChg>
+      </pc:sldChg>
+      <pc:sldChg chg="addSp delSp modSp add mod">
+        <pc:chgData name="Grace Kim" userId="620f565bd6c63822" providerId="LiveId" clId="{0F16ECB1-8E30-47DD-9BD3-5664B480F5D6}" dt="2025-04-02T11:48:19.905" v="745" actId="688"/>
+        <pc:sldMkLst>
+          <pc:docMk/>
+          <pc:sldMk cId="1473624366" sldId="263"/>
+        </pc:sldMkLst>
+        <pc:spChg chg="mod">
+          <ac:chgData name="Grace Kim" userId="620f565bd6c63822" providerId="LiveId" clId="{0F16ECB1-8E30-47DD-9BD3-5664B480F5D6}" dt="2025-04-02T11:05:00.961" v="719" actId="164"/>
+          <ac:spMkLst>
+            <pc:docMk/>
+            <pc:sldMk cId="1473624366" sldId="263"/>
+            <ac:spMk id="2" creationId="{AA924726-ECEB-CCFE-D445-4B7977EB2F77}"/>
+          </ac:spMkLst>
+        </pc:spChg>
+        <pc:spChg chg="mod">
+          <ac:chgData name="Grace Kim" userId="620f565bd6c63822" providerId="LiveId" clId="{0F16ECB1-8E30-47DD-9BD3-5664B480F5D6}" dt="2025-04-02T11:21:43.558" v="727" actId="1076"/>
+          <ac:spMkLst>
+            <pc:docMk/>
+            <pc:sldMk cId="1473624366" sldId="263"/>
+            <ac:spMk id="3" creationId="{A66A43C3-E337-4CEA-5764-FB985175EAF5}"/>
+          </ac:spMkLst>
+        </pc:spChg>
+        <pc:spChg chg="mod">
+          <ac:chgData name="Grace Kim" userId="620f565bd6c63822" providerId="LiveId" clId="{0F16ECB1-8E30-47DD-9BD3-5664B480F5D6}" dt="2025-04-02T11:05:21.081" v="721" actId="688"/>
+          <ac:spMkLst>
+            <pc:docMk/>
+            <pc:sldMk cId="1473624366" sldId="263"/>
+            <ac:spMk id="15" creationId="{4011618A-15B6-2200-8835-54A58DE7BF44}"/>
+          </ac:spMkLst>
+        </pc:spChg>
+        <pc:spChg chg="add del mod">
+          <ac:chgData name="Grace Kim" userId="620f565bd6c63822" providerId="LiveId" clId="{0F16ECB1-8E30-47DD-9BD3-5664B480F5D6}" dt="2025-04-02T11:03:03.525" v="704" actId="478"/>
+          <ac:spMkLst>
+            <pc:docMk/>
+            <pc:sldMk cId="1473624366" sldId="263"/>
+            <ac:spMk id="23" creationId="{1C5722EE-FAAF-D6DE-595F-2475B09E0845}"/>
+          </ac:spMkLst>
+        </pc:spChg>
+        <pc:spChg chg="mod">
+          <ac:chgData name="Grace Kim" userId="620f565bd6c63822" providerId="LiveId" clId="{0F16ECB1-8E30-47DD-9BD3-5664B480F5D6}" dt="2025-04-02T11:36:09.609" v="735" actId="368"/>
+          <ac:spMkLst>
+            <pc:docMk/>
+            <pc:sldMk cId="1473624366" sldId="263"/>
+            <ac:spMk id="41" creationId="{2C650E31-A491-FF5E-30DC-5EC3A82154AE}"/>
+          </ac:spMkLst>
+        </pc:spChg>
+        <pc:spChg chg="mod">
+          <ac:chgData name="Grace Kim" userId="620f565bd6c63822" providerId="LiveId" clId="{0F16ECB1-8E30-47DD-9BD3-5664B480F5D6}" dt="2025-04-02T11:36:09.609" v="735" actId="368"/>
+          <ac:spMkLst>
+            <pc:docMk/>
+            <pc:sldMk cId="1473624366" sldId="263"/>
+            <ac:spMk id="42" creationId="{9C35E238-F041-9041-4D63-BA90856CB6EF}"/>
+          </ac:spMkLst>
+        </pc:spChg>
+        <pc:spChg chg="mod">
+          <ac:chgData name="Grace Kim" userId="620f565bd6c63822" providerId="LiveId" clId="{0F16ECB1-8E30-47DD-9BD3-5664B480F5D6}" dt="2025-04-02T11:36:09.609" v="735" actId="368"/>
+          <ac:spMkLst>
+            <pc:docMk/>
+            <pc:sldMk cId="1473624366" sldId="263"/>
+            <ac:spMk id="57" creationId="{3AF6F0AE-DFE7-DA95-1946-5F0585326C2C}"/>
+          </ac:spMkLst>
+        </pc:spChg>
+        <pc:spChg chg="mod">
+          <ac:chgData name="Grace Kim" userId="620f565bd6c63822" providerId="LiveId" clId="{0F16ECB1-8E30-47DD-9BD3-5664B480F5D6}" dt="2025-04-02T11:05:00.961" v="719" actId="164"/>
+          <ac:spMkLst>
+            <pc:docMk/>
+            <pc:sldMk cId="1473624366" sldId="263"/>
+            <ac:spMk id="62" creationId="{DCF8B981-C3B4-3204-16CA-55010EA1D3A6}"/>
+          </ac:spMkLst>
+        </pc:spChg>
+        <pc:spChg chg="mod">
+          <ac:chgData name="Grace Kim" userId="620f565bd6c63822" providerId="LiveId" clId="{0F16ECB1-8E30-47DD-9BD3-5664B480F5D6}" dt="2025-04-02T11:05:00.961" v="719" actId="164"/>
+          <ac:spMkLst>
+            <pc:docMk/>
+            <pc:sldMk cId="1473624366" sldId="263"/>
+            <ac:spMk id="63" creationId="{CB5C3302-EB81-955B-6EB9-142CC38EF03B}"/>
+          </ac:spMkLst>
+        </pc:spChg>
+        <pc:spChg chg="mod">
+          <ac:chgData name="Grace Kim" userId="620f565bd6c63822" providerId="LiveId" clId="{0F16ECB1-8E30-47DD-9BD3-5664B480F5D6}" dt="2025-04-02T11:36:09.609" v="735" actId="368"/>
+          <ac:spMkLst>
+            <pc:docMk/>
+            <pc:sldMk cId="1473624366" sldId="263"/>
+            <ac:spMk id="74" creationId="{057CB7BB-F2F2-4060-37AB-9E040F2BA7D6}"/>
+          </ac:spMkLst>
+        </pc:spChg>
+        <pc:spChg chg="mod">
+          <ac:chgData name="Grace Kim" userId="620f565bd6c63822" providerId="LiveId" clId="{0F16ECB1-8E30-47DD-9BD3-5664B480F5D6}" dt="2025-04-02T11:36:09.609" v="735" actId="368"/>
+          <ac:spMkLst>
+            <pc:docMk/>
+            <pc:sldMk cId="1473624366" sldId="263"/>
+            <ac:spMk id="81" creationId="{F85C061D-097D-26ED-5973-DCA2F1EFFA3D}"/>
+          </ac:spMkLst>
+        </pc:spChg>
+        <pc:spChg chg="mod">
+          <ac:chgData name="Grace Kim" userId="620f565bd6c63822" providerId="LiveId" clId="{0F16ECB1-8E30-47DD-9BD3-5664B480F5D6}" dt="2025-04-02T11:36:09.609" v="735" actId="368"/>
+          <ac:spMkLst>
+            <pc:docMk/>
+            <pc:sldMk cId="1473624366" sldId="263"/>
+            <ac:spMk id="83" creationId="{4698A923-83EA-CDE8-94E5-67F685633EAC}"/>
+          </ac:spMkLst>
+        </pc:spChg>
+        <pc:spChg chg="mod">
+          <ac:chgData name="Grace Kim" userId="620f565bd6c63822" providerId="LiveId" clId="{0F16ECB1-8E30-47DD-9BD3-5664B480F5D6}" dt="2025-04-02T11:16:02.829" v="724" actId="688"/>
+          <ac:spMkLst>
+            <pc:docMk/>
+            <pc:sldMk cId="1473624366" sldId="263"/>
+            <ac:spMk id="94" creationId="{0C29DA8C-D9A2-A1D0-EF10-40CFC9540501}"/>
+          </ac:spMkLst>
+        </pc:spChg>
+        <pc:spChg chg="mod">
+          <ac:chgData name="Grace Kim" userId="620f565bd6c63822" providerId="LiveId" clId="{0F16ECB1-8E30-47DD-9BD3-5664B480F5D6}" dt="2025-04-02T11:36:09.609" v="735" actId="368"/>
+          <ac:spMkLst>
+            <pc:docMk/>
+            <pc:sldMk cId="1473624366" sldId="263"/>
+            <ac:spMk id="95" creationId="{772E833D-4CE6-3A8A-51FC-FF0FCFE2C036}"/>
+          </ac:spMkLst>
+        </pc:spChg>
+        <pc:spChg chg="mod">
+          <ac:chgData name="Grace Kim" userId="620f565bd6c63822" providerId="LiveId" clId="{0F16ECB1-8E30-47DD-9BD3-5664B480F5D6}" dt="2025-04-02T11:36:09.609" v="735" actId="368"/>
+          <ac:spMkLst>
+            <pc:docMk/>
+            <pc:sldMk cId="1473624366" sldId="263"/>
+            <ac:spMk id="101" creationId="{C8FC58ED-432E-8D80-9F0C-C43399062D51}"/>
+          </ac:spMkLst>
+        </pc:spChg>
+        <pc:spChg chg="mod">
+          <ac:chgData name="Grace Kim" userId="620f565bd6c63822" providerId="LiveId" clId="{0F16ECB1-8E30-47DD-9BD3-5664B480F5D6}" dt="2025-04-02T11:36:09.609" v="735" actId="368"/>
+          <ac:spMkLst>
+            <pc:docMk/>
+            <pc:sldMk cId="1473624366" sldId="263"/>
+            <ac:spMk id="115" creationId="{88F3A5A5-75F0-C832-1D59-119F28BDD4D8}"/>
+          </ac:spMkLst>
+        </pc:spChg>
+        <pc:spChg chg="mod">
+          <ac:chgData name="Grace Kim" userId="620f565bd6c63822" providerId="LiveId" clId="{0F16ECB1-8E30-47DD-9BD3-5664B480F5D6}" dt="2025-04-02T11:36:09.609" v="735" actId="368"/>
+          <ac:spMkLst>
+            <pc:docMk/>
+            <pc:sldMk cId="1473624366" sldId="263"/>
+            <ac:spMk id="123" creationId="{B805D0E2-921B-F9E8-71EC-61C66D8DFD7C}"/>
+          </ac:spMkLst>
+        </pc:spChg>
+        <pc:grpChg chg="add mod">
+          <ac:chgData name="Grace Kim" userId="620f565bd6c63822" providerId="LiveId" clId="{0F16ECB1-8E30-47DD-9BD3-5664B480F5D6}" dt="2025-04-02T10:53:18.893" v="681" actId="688"/>
+          <ac:grpSpMkLst>
+            <pc:docMk/>
+            <pc:sldMk cId="1473624366" sldId="263"/>
+            <ac:grpSpMk id="4" creationId="{BC9FD54F-E3F6-804C-C2D2-97FF950BACD6}"/>
+          </ac:grpSpMkLst>
+        </pc:grpChg>
+        <pc:grpChg chg="add mod">
+          <ac:chgData name="Grace Kim" userId="620f565bd6c63822" providerId="LiveId" clId="{0F16ECB1-8E30-47DD-9BD3-5664B480F5D6}" dt="2025-04-02T11:04:09.987" v="709" actId="1076"/>
+          <ac:grpSpMkLst>
+            <pc:docMk/>
+            <pc:sldMk cId="1473624366" sldId="263"/>
+            <ac:grpSpMk id="5" creationId="{4315FD17-5F9F-7623-D817-484765DAA31F}"/>
+          </ac:grpSpMkLst>
+        </pc:grpChg>
+        <pc:grpChg chg="mod">
+          <ac:chgData name="Grace Kim" userId="620f565bd6c63822" providerId="LiveId" clId="{0F16ECB1-8E30-47DD-9BD3-5664B480F5D6}" dt="2025-04-02T11:05:00.961" v="719" actId="164"/>
+          <ac:grpSpMkLst>
+            <pc:docMk/>
+            <pc:sldMk cId="1473624366" sldId="263"/>
+            <ac:grpSpMk id="7" creationId="{6FAA430D-E3E6-21F5-442F-4EC8A8A1B660}"/>
+          </ac:grpSpMkLst>
+        </pc:grpChg>
+        <pc:grpChg chg="mod">
+          <ac:chgData name="Grace Kim" userId="620f565bd6c63822" providerId="LiveId" clId="{0F16ECB1-8E30-47DD-9BD3-5664B480F5D6}" dt="2025-04-02T11:05:00.961" v="719" actId="164"/>
+          <ac:grpSpMkLst>
+            <pc:docMk/>
+            <pc:sldMk cId="1473624366" sldId="263"/>
+            <ac:grpSpMk id="10" creationId="{C51DAD00-7CE5-6B90-8B90-425E03BB5FCA}"/>
+          </ac:grpSpMkLst>
+        </pc:grpChg>
+        <pc:grpChg chg="add mod">
+          <ac:chgData name="Grace Kim" userId="620f565bd6c63822" providerId="LiveId" clId="{0F16ECB1-8E30-47DD-9BD3-5664B480F5D6}" dt="2025-04-02T11:04:32.798" v="712" actId="164"/>
+          <ac:grpSpMkLst>
+            <pc:docMk/>
+            <pc:sldMk cId="1473624366" sldId="263"/>
+            <ac:grpSpMk id="24" creationId="{8EF168CA-A811-61EE-33A2-A66D07D3DD4C}"/>
+          </ac:grpSpMkLst>
+        </pc:grpChg>
+        <pc:grpChg chg="add mod">
+          <ac:chgData name="Grace Kim" userId="620f565bd6c63822" providerId="LiveId" clId="{0F16ECB1-8E30-47DD-9BD3-5664B480F5D6}" dt="2025-04-02T11:04:35.932" v="714" actId="164"/>
+          <ac:grpSpMkLst>
+            <pc:docMk/>
+            <pc:sldMk cId="1473624366" sldId="263"/>
+            <ac:grpSpMk id="26" creationId="{0D524632-7972-DE3B-2F6E-6254BDE067D3}"/>
+          </ac:grpSpMkLst>
+        </pc:grpChg>
+        <pc:grpChg chg="add mod">
+          <ac:chgData name="Grace Kim" userId="620f565bd6c63822" providerId="LiveId" clId="{0F16ECB1-8E30-47DD-9BD3-5664B480F5D6}" dt="2025-04-02T11:04:59.355" v="717" actId="688"/>
+          <ac:grpSpMkLst>
+            <pc:docMk/>
+            <pc:sldMk cId="1473624366" sldId="263"/>
+            <ac:grpSpMk id="27" creationId="{8F858A77-BF1D-9E67-56E2-A2D6DAE11B06}"/>
+          </ac:grpSpMkLst>
+        </pc:grpChg>
+        <pc:grpChg chg="add mod">
+          <ac:chgData name="Grace Kim" userId="620f565bd6c63822" providerId="LiveId" clId="{0F16ECB1-8E30-47DD-9BD3-5664B480F5D6}" dt="2025-04-02T11:48:19.905" v="745" actId="688"/>
+          <ac:grpSpMkLst>
+            <pc:docMk/>
+            <pc:sldMk cId="1473624366" sldId="263"/>
+            <ac:grpSpMk id="28" creationId="{D0BE0A93-35D6-768D-388E-FFF5E25F0066}"/>
+          </ac:grpSpMkLst>
+        </pc:grpChg>
+        <pc:grpChg chg="mod">
+          <ac:chgData name="Grace Kim" userId="620f565bd6c63822" providerId="LiveId" clId="{0F16ECB1-8E30-47DD-9BD3-5664B480F5D6}" dt="2025-04-02T10:52:46.136" v="679" actId="164"/>
+          <ac:grpSpMkLst>
+            <pc:docMk/>
+            <pc:sldMk cId="1473624366" sldId="263"/>
+            <ac:grpSpMk id="128" creationId="{C36C31F7-21BC-E3D9-0F82-7C1A1BA731FA}"/>
+          </ac:grpSpMkLst>
+        </pc:grpChg>
+        <pc:grpChg chg="mod">
+          <ac:chgData name="Grace Kim" userId="620f565bd6c63822" providerId="LiveId" clId="{0F16ECB1-8E30-47DD-9BD3-5664B480F5D6}" dt="2025-04-02T11:05:00.961" v="719" actId="164"/>
+          <ac:grpSpMkLst>
+            <pc:docMk/>
+            <pc:sldMk cId="1473624366" sldId="263"/>
+            <ac:grpSpMk id="129" creationId="{647B2096-3DB1-DF91-4B8E-E555F599B09E}"/>
+          </ac:grpSpMkLst>
+        </pc:grpChg>
+        <pc:grpChg chg="mod">
+          <ac:chgData name="Grace Kim" userId="620f565bd6c63822" providerId="LiveId" clId="{0F16ECB1-8E30-47DD-9BD3-5664B480F5D6}" dt="2025-04-02T11:05:00.961" v="719" actId="164"/>
+          <ac:grpSpMkLst>
+            <pc:docMk/>
+            <pc:sldMk cId="1473624366" sldId="263"/>
+            <ac:grpSpMk id="131" creationId="{26C88885-3771-D0CE-FF06-D7094470A94A}"/>
+          </ac:grpSpMkLst>
+        </pc:grpChg>
+        <pc:cxnChg chg="add del mod">
+          <ac:chgData name="Grace Kim" userId="620f565bd6c63822" providerId="LiveId" clId="{0F16ECB1-8E30-47DD-9BD3-5664B480F5D6}" dt="2025-04-02T11:02:27.691" v="699" actId="478"/>
+          <ac:cxnSpMkLst>
+            <pc:docMk/>
+            <pc:sldMk cId="1473624366" sldId="263"/>
+            <ac:cxnSpMk id="8" creationId="{87809980-1D19-2469-8BCD-4872C66AB5E8}"/>
           </ac:cxnSpMkLst>
         </pc:cxnChg>
       </pc:sldChg>
@@ -3047,6 +3287,114 @@
     <p:extLst>
       <p:ext uri="{BB962C8B-B14F-4D97-AF65-F5344CB8AC3E}">
         <p14:creationId xmlns:p14="http://schemas.microsoft.com/office/powerpoint/2010/main" val="3383616855"/>
+      </p:ext>
+    </p:extLst>
+  </p:cSld>
+  <p:clrMapOvr>
+    <a:masterClrMapping/>
+  </p:clrMapOvr>
+</p:notes>
+</file>
+
+<file path=ppt/notesSlides/notesSlide4.xml><?xml version="1.0" encoding="utf-8"?>
+<p:notes xmlns:a="http://schemas.openxmlformats.org/drawingml/2006/main" xmlns:r="http://schemas.openxmlformats.org/officeDocument/2006/relationships" xmlns:p="http://schemas.openxmlformats.org/presentationml/2006/main">
+  <p:cSld>
+    <p:spTree>
+      <p:nvGrpSpPr>
+        <p:cNvPr id="1" name="">
+          <a:extLst>
+            <a:ext uri="{FF2B5EF4-FFF2-40B4-BE49-F238E27FC236}">
+              <a16:creationId xmlns:a16="http://schemas.microsoft.com/office/drawing/2014/main" id="{6321C436-FA2E-98F2-72F9-4DE9EB0EBD87}"/>
+            </a:ext>
+          </a:extLst>
+        </p:cNvPr>
+        <p:cNvGrpSpPr/>
+        <p:nvPr/>
+      </p:nvGrpSpPr>
+      <p:grpSpPr>
+        <a:xfrm>
+          <a:off x="0" y="0"/>
+          <a:ext cx="0" cy="0"/>
+          <a:chOff x="0" y="0"/>
+          <a:chExt cx="0" cy="0"/>
+        </a:xfrm>
+      </p:grpSpPr>
+      <p:sp>
+        <p:nvSpPr>
+          <p:cNvPr id="2" name="슬라이드 이미지 개체 틀 1">
+            <a:extLst>
+              <a:ext uri="{FF2B5EF4-FFF2-40B4-BE49-F238E27FC236}">
+                <a16:creationId xmlns:a16="http://schemas.microsoft.com/office/drawing/2014/main" id="{01F983B2-EC3F-E2B7-F85E-9C76FF5E46DE}"/>
+              </a:ext>
+            </a:extLst>
+          </p:cNvPr>
+          <p:cNvSpPr>
+            <a:spLocks noGrp="1" noRot="1" noChangeAspect="1"/>
+          </p:cNvSpPr>
+          <p:nvPr>
+            <p:ph type="sldImg"/>
+          </p:nvPr>
+        </p:nvSpPr>
+        <p:spPr/>
+      </p:sp>
+      <p:sp>
+        <p:nvSpPr>
+          <p:cNvPr id="3" name="슬라이드 노트 개체 틀 2">
+            <a:extLst>
+              <a:ext uri="{FF2B5EF4-FFF2-40B4-BE49-F238E27FC236}">
+                <a16:creationId xmlns:a16="http://schemas.microsoft.com/office/drawing/2014/main" id="{1ADEF7BB-3569-26F7-F7A7-71694583C400}"/>
+              </a:ext>
+            </a:extLst>
+          </p:cNvPr>
+          <p:cNvSpPr>
+            <a:spLocks noGrp="1"/>
+          </p:cNvSpPr>
+          <p:nvPr>
+            <p:ph type="body" idx="1"/>
+          </p:nvPr>
+        </p:nvSpPr>
+        <p:spPr/>
+        <p:txBody>
+          <a:bodyPr/>
+          <a:lstStyle/>
+          <a:p>
+            <a:endParaRPr lang="ko-KR" altLang="en-US" dirty="0"/>
+          </a:p>
+        </p:txBody>
+      </p:sp>
+      <p:sp>
+        <p:nvSpPr>
+          <p:cNvPr id="4" name="슬라이드 번호 개체 틀 3">
+            <a:extLst>
+              <a:ext uri="{FF2B5EF4-FFF2-40B4-BE49-F238E27FC236}">
+                <a16:creationId xmlns:a16="http://schemas.microsoft.com/office/drawing/2014/main" id="{56E0A27F-1743-5947-9E87-184C037BEFE2}"/>
+              </a:ext>
+            </a:extLst>
+          </p:cNvPr>
+          <p:cNvSpPr>
+            <a:spLocks noGrp="1"/>
+          </p:cNvSpPr>
+          <p:nvPr>
+            <p:ph type="sldNum" sz="quarter" idx="5"/>
+          </p:nvPr>
+        </p:nvSpPr>
+        <p:spPr/>
+        <p:txBody>
+          <a:bodyPr/>
+          <a:lstStyle/>
+          <a:p>
+            <a:fld id="{A1C00B9E-B583-48A1-BBF2-5B2F4DB1F1CF}" type="slidenum">
+              <a:rPr lang="ko-KR" altLang="en-US" smtClean="0"/>
+              <a:t>4</a:t>
+            </a:fld>
+            <a:endParaRPr lang="ko-KR" altLang="en-US"/>
+          </a:p>
+        </p:txBody>
+      </p:sp>
+    </p:spTree>
+    <p:extLst>
+      <p:ext uri="{BB962C8B-B14F-4D97-AF65-F5344CB8AC3E}">
+        <p14:creationId xmlns:p14="http://schemas.microsoft.com/office/powerpoint/2010/main" val="2006596806"/>
       </p:ext>
     </p:extLst>
   </p:cSld>
@@ -14062,6 +14410,2779 @@
 </p:sld>
 </file>
 
+<file path=ppt/slides/slide4.xml><?xml version="1.0" encoding="utf-8"?>
+<p:sld xmlns:a="http://schemas.openxmlformats.org/drawingml/2006/main" xmlns:r="http://schemas.openxmlformats.org/officeDocument/2006/relationships" xmlns:p="http://schemas.openxmlformats.org/presentationml/2006/main">
+  <p:cSld>
+    <p:spTree>
+      <p:nvGrpSpPr>
+        <p:cNvPr id="1" name="">
+          <a:extLst>
+            <a:ext uri="{FF2B5EF4-FFF2-40B4-BE49-F238E27FC236}">
+              <a16:creationId xmlns:a16="http://schemas.microsoft.com/office/drawing/2014/main" id="{7BC3666B-6202-967D-CB61-B44B0EAC28F2}"/>
+            </a:ext>
+          </a:extLst>
+        </p:cNvPr>
+        <p:cNvGrpSpPr/>
+        <p:nvPr/>
+      </p:nvGrpSpPr>
+      <p:grpSpPr>
+        <a:xfrm>
+          <a:off x="0" y="0"/>
+          <a:ext cx="0" cy="0"/>
+          <a:chOff x="0" y="0"/>
+          <a:chExt cx="0" cy="0"/>
+        </a:xfrm>
+      </p:grpSpPr>
+      <p:grpSp>
+        <p:nvGrpSpPr>
+          <p:cNvPr id="28" name="그룹 27">
+            <a:extLst>
+              <a:ext uri="{FF2B5EF4-FFF2-40B4-BE49-F238E27FC236}">
+                <a16:creationId xmlns:a16="http://schemas.microsoft.com/office/drawing/2014/main" id="{D0BE0A93-35D6-768D-388E-FFF5E25F0066}"/>
+              </a:ext>
+            </a:extLst>
+          </p:cNvPr>
+          <p:cNvGrpSpPr/>
+          <p:nvPr/>
+        </p:nvGrpSpPr>
+        <p:grpSpPr>
+          <a:xfrm rot="20169078">
+            <a:off x="-114572" y="-1"/>
+            <a:ext cx="21714098" cy="21599525"/>
+            <a:chOff x="-114572" y="-1"/>
+            <a:chExt cx="21714098" cy="21599525"/>
+          </a:xfrm>
+        </p:grpSpPr>
+        <p:sp>
+          <p:nvSpPr>
+            <p:cNvPr id="2" name="타원 1">
+              <a:extLst>
+                <a:ext uri="{FF2B5EF4-FFF2-40B4-BE49-F238E27FC236}">
+                  <a16:creationId xmlns:a16="http://schemas.microsoft.com/office/drawing/2014/main" id="{AA924726-ECEB-CCFE-D445-4B7977EB2F77}"/>
+                </a:ext>
+              </a:extLst>
+            </p:cNvPr>
+            <p:cNvSpPr/>
+            <p:nvPr/>
+          </p:nvSpPr>
+          <p:spPr>
+            <a:xfrm rot="4249259">
+              <a:off x="1" y="-1"/>
+              <a:ext cx="21599525" cy="21599525"/>
+            </a:xfrm>
+            <a:prstGeom prst="ellipse">
+              <a:avLst/>
+            </a:prstGeom>
+            <a:noFill/>
+            <a:ln>
+              <a:solidFill>
+                <a:schemeClr val="tx1"/>
+              </a:solidFill>
+            </a:ln>
+          </p:spPr>
+          <p:style>
+            <a:lnRef idx="2">
+              <a:schemeClr val="accent1">
+                <a:shade val="15000"/>
+              </a:schemeClr>
+            </a:lnRef>
+            <a:fillRef idx="1">
+              <a:schemeClr val="accent1"/>
+            </a:fillRef>
+            <a:effectRef idx="0">
+              <a:schemeClr val="accent1"/>
+            </a:effectRef>
+            <a:fontRef idx="minor">
+              <a:schemeClr val="lt1"/>
+            </a:fontRef>
+          </p:style>
+          <p:txBody>
+            <a:bodyPr rtlCol="0" anchor="ctr"/>
+            <a:lstStyle/>
+            <a:p>
+              <a:pPr algn="ctr"/>
+              <a:endParaRPr lang="ko-KR" altLang="en-US"/>
+            </a:p>
+          </p:txBody>
+        </p:sp>
+        <p:sp>
+          <p:nvSpPr>
+            <p:cNvPr id="3" name="타원 2">
+              <a:extLst>
+                <a:ext uri="{FF2B5EF4-FFF2-40B4-BE49-F238E27FC236}">
+                  <a16:creationId xmlns:a16="http://schemas.microsoft.com/office/drawing/2014/main" id="{A66A43C3-E337-4CEA-5764-FB985175EAF5}"/>
+                </a:ext>
+              </a:extLst>
+            </p:cNvPr>
+            <p:cNvSpPr/>
+            <p:nvPr/>
+          </p:nvSpPr>
+          <p:spPr>
+            <a:xfrm rot="4249259">
+              <a:off x="10726840" y="10638852"/>
+              <a:ext cx="318052" cy="318052"/>
+            </a:xfrm>
+            <a:prstGeom prst="ellipse">
+              <a:avLst/>
+            </a:prstGeom>
+            <a:solidFill>
+              <a:schemeClr val="tx1"/>
+            </a:solidFill>
+            <a:ln>
+              <a:solidFill>
+                <a:schemeClr val="tx1"/>
+              </a:solidFill>
+            </a:ln>
+          </p:spPr>
+          <p:style>
+            <a:lnRef idx="2">
+              <a:schemeClr val="accent1">
+                <a:shade val="15000"/>
+              </a:schemeClr>
+            </a:lnRef>
+            <a:fillRef idx="1">
+              <a:schemeClr val="accent1"/>
+            </a:fillRef>
+            <a:effectRef idx="0">
+              <a:schemeClr val="accent1"/>
+            </a:effectRef>
+            <a:fontRef idx="minor">
+              <a:schemeClr val="lt1"/>
+            </a:fontRef>
+          </p:style>
+          <p:txBody>
+            <a:bodyPr rtlCol="0" anchor="ctr"/>
+            <a:lstStyle/>
+            <a:p>
+              <a:pPr algn="ctr"/>
+              <a:endParaRPr lang="ko-KR" altLang="en-US"/>
+            </a:p>
+          </p:txBody>
+        </p:sp>
+        <p:sp>
+          <p:nvSpPr>
+            <p:cNvPr id="15" name="타원 14">
+              <a:extLst>
+                <a:ext uri="{FF2B5EF4-FFF2-40B4-BE49-F238E27FC236}">
+                  <a16:creationId xmlns:a16="http://schemas.microsoft.com/office/drawing/2014/main" id="{4011618A-15B6-2200-8835-54A58DE7BF44}"/>
+                </a:ext>
+              </a:extLst>
+            </p:cNvPr>
+            <p:cNvSpPr/>
+            <p:nvPr/>
+          </p:nvSpPr>
+          <p:spPr>
+            <a:xfrm>
+              <a:off x="10508812" y="4867821"/>
+              <a:ext cx="576000" cy="576000"/>
+            </a:xfrm>
+            <a:prstGeom prst="ellipse">
+              <a:avLst/>
+            </a:prstGeom>
+            <a:solidFill>
+              <a:srgbClr val="FFFF00"/>
+            </a:solidFill>
+            <a:ln>
+              <a:solidFill>
+                <a:schemeClr val="tx1"/>
+              </a:solidFill>
+            </a:ln>
+          </p:spPr>
+          <p:style>
+            <a:lnRef idx="2">
+              <a:schemeClr val="accent1">
+                <a:shade val="15000"/>
+              </a:schemeClr>
+            </a:lnRef>
+            <a:fillRef idx="1">
+              <a:schemeClr val="accent1"/>
+            </a:fillRef>
+            <a:effectRef idx="0">
+              <a:schemeClr val="accent1"/>
+            </a:effectRef>
+            <a:fontRef idx="minor">
+              <a:schemeClr val="lt1"/>
+            </a:fontRef>
+          </p:style>
+          <p:txBody>
+            <a:bodyPr rtlCol="0" anchor="ctr"/>
+            <a:lstStyle/>
+            <a:p>
+              <a:pPr algn="ctr"/>
+              <a:endParaRPr lang="ko-KR" altLang="en-US"/>
+            </a:p>
+          </p:txBody>
+        </p:sp>
+        <p:grpSp>
+          <p:nvGrpSpPr>
+            <p:cNvPr id="10" name="그룹 9">
+              <a:extLst>
+                <a:ext uri="{FF2B5EF4-FFF2-40B4-BE49-F238E27FC236}">
+                  <a16:creationId xmlns:a16="http://schemas.microsoft.com/office/drawing/2014/main" id="{C51DAD00-7CE5-6B90-8B90-425E03BB5FCA}"/>
+                </a:ext>
+              </a:extLst>
+            </p:cNvPr>
+            <p:cNvGrpSpPr/>
+            <p:nvPr/>
+          </p:nvGrpSpPr>
+          <p:grpSpPr>
+            <a:xfrm rot="4249259">
+              <a:off x="3813899" y="14507996"/>
+              <a:ext cx="3045746" cy="2931933"/>
+              <a:chOff x="11100873" y="17607180"/>
+              <a:chExt cx="3045746" cy="2931933"/>
+            </a:xfrm>
+          </p:grpSpPr>
+          <p:sp>
+            <p:nvSpPr>
+              <p:cNvPr id="13" name="타원 12">
+                <a:extLst>
+                  <a:ext uri="{FF2B5EF4-FFF2-40B4-BE49-F238E27FC236}">
+                    <a16:creationId xmlns:a16="http://schemas.microsoft.com/office/drawing/2014/main" id="{5A83C2E8-772B-2E2C-0367-6DD58F71C765}"/>
+                  </a:ext>
+                </a:extLst>
+              </p:cNvPr>
+              <p:cNvSpPr/>
+              <p:nvPr/>
+            </p:nvSpPr>
+            <p:spPr>
+              <a:xfrm>
+                <a:off x="11735773" y="18529122"/>
+                <a:ext cx="324000" cy="324000"/>
+              </a:xfrm>
+              <a:prstGeom prst="ellipse">
+                <a:avLst/>
+              </a:prstGeom>
+              <a:solidFill>
+                <a:srgbClr val="FFFF00"/>
+              </a:solidFill>
+              <a:ln>
+                <a:solidFill>
+                  <a:schemeClr val="tx1"/>
+                </a:solidFill>
+              </a:ln>
+            </p:spPr>
+            <p:style>
+              <a:lnRef idx="2">
+                <a:schemeClr val="accent1">
+                  <a:shade val="15000"/>
+                </a:schemeClr>
+              </a:lnRef>
+              <a:fillRef idx="1">
+                <a:schemeClr val="accent1"/>
+              </a:fillRef>
+              <a:effectRef idx="0">
+                <a:schemeClr val="accent1"/>
+              </a:effectRef>
+              <a:fontRef idx="minor">
+                <a:schemeClr val="lt1"/>
+              </a:fontRef>
+            </p:style>
+            <p:txBody>
+              <a:bodyPr rtlCol="0" anchor="ctr"/>
+              <a:lstStyle/>
+              <a:p>
+                <a:pPr algn="ctr"/>
+                <a:endParaRPr lang="ko-KR" altLang="en-US" dirty="0"/>
+              </a:p>
+            </p:txBody>
+          </p:sp>
+          <p:sp>
+            <p:nvSpPr>
+              <p:cNvPr id="25" name="타원 24">
+                <a:extLst>
+                  <a:ext uri="{FF2B5EF4-FFF2-40B4-BE49-F238E27FC236}">
+                    <a16:creationId xmlns:a16="http://schemas.microsoft.com/office/drawing/2014/main" id="{24DB959A-7D6D-1B1D-7305-3F93A5C8F743}"/>
+                  </a:ext>
+                </a:extLst>
+              </p:cNvPr>
+              <p:cNvSpPr/>
+              <p:nvPr/>
+            </p:nvSpPr>
+            <p:spPr>
+              <a:xfrm>
+                <a:off x="12884621" y="19291176"/>
+                <a:ext cx="108000" cy="108000"/>
+              </a:xfrm>
+              <a:prstGeom prst="ellipse">
+                <a:avLst/>
+              </a:prstGeom>
+              <a:solidFill>
+                <a:srgbClr val="FFFF00"/>
+              </a:solidFill>
+              <a:ln>
+                <a:solidFill>
+                  <a:schemeClr val="tx1"/>
+                </a:solidFill>
+              </a:ln>
+            </p:spPr>
+            <p:style>
+              <a:lnRef idx="2">
+                <a:schemeClr val="accent1">
+                  <a:shade val="15000"/>
+                </a:schemeClr>
+              </a:lnRef>
+              <a:fillRef idx="1">
+                <a:schemeClr val="accent1"/>
+              </a:fillRef>
+              <a:effectRef idx="0">
+                <a:schemeClr val="accent1"/>
+              </a:effectRef>
+              <a:fontRef idx="minor">
+                <a:schemeClr val="lt1"/>
+              </a:fontRef>
+            </p:style>
+            <p:txBody>
+              <a:bodyPr rtlCol="0" anchor="ctr"/>
+              <a:lstStyle/>
+              <a:p>
+                <a:pPr algn="ctr"/>
+                <a:endParaRPr lang="ko-KR" altLang="en-US" dirty="0"/>
+              </a:p>
+            </p:txBody>
+          </p:sp>
+          <p:sp>
+            <p:nvSpPr>
+              <p:cNvPr id="38" name="타원 37">
+                <a:extLst>
+                  <a:ext uri="{FF2B5EF4-FFF2-40B4-BE49-F238E27FC236}">
+                    <a16:creationId xmlns:a16="http://schemas.microsoft.com/office/drawing/2014/main" id="{D345CE7F-7CC6-8DC2-34B9-6BB9FF4AFE49}"/>
+                  </a:ext>
+                </a:extLst>
+              </p:cNvPr>
+              <p:cNvSpPr/>
+              <p:nvPr/>
+            </p:nvSpPr>
+            <p:spPr>
+              <a:xfrm>
+                <a:off x="11100873" y="20120017"/>
+                <a:ext cx="108000" cy="108000"/>
+              </a:xfrm>
+              <a:prstGeom prst="ellipse">
+                <a:avLst/>
+              </a:prstGeom>
+              <a:solidFill>
+                <a:srgbClr val="FFFF00"/>
+              </a:solidFill>
+              <a:ln>
+                <a:solidFill>
+                  <a:schemeClr val="tx1"/>
+                </a:solidFill>
+              </a:ln>
+            </p:spPr>
+            <p:style>
+              <a:lnRef idx="2">
+                <a:schemeClr val="accent1">
+                  <a:shade val="15000"/>
+                </a:schemeClr>
+              </a:lnRef>
+              <a:fillRef idx="1">
+                <a:schemeClr val="accent1"/>
+              </a:fillRef>
+              <a:effectRef idx="0">
+                <a:schemeClr val="accent1"/>
+              </a:effectRef>
+              <a:fontRef idx="minor">
+                <a:schemeClr val="lt1"/>
+              </a:fontRef>
+            </p:style>
+            <p:txBody>
+              <a:bodyPr rtlCol="0" anchor="ctr"/>
+              <a:lstStyle/>
+              <a:p>
+                <a:pPr algn="ctr"/>
+                <a:endParaRPr lang="ko-KR" altLang="en-US" dirty="0"/>
+              </a:p>
+            </p:txBody>
+          </p:sp>
+          <p:sp>
+            <p:nvSpPr>
+              <p:cNvPr id="40" name="타원 39">
+                <a:extLst>
+                  <a:ext uri="{FF2B5EF4-FFF2-40B4-BE49-F238E27FC236}">
+                    <a16:creationId xmlns:a16="http://schemas.microsoft.com/office/drawing/2014/main" id="{37BE603E-2837-DB76-71F3-C458D671508D}"/>
+                  </a:ext>
+                </a:extLst>
+              </p:cNvPr>
+              <p:cNvSpPr/>
+              <p:nvPr/>
+            </p:nvSpPr>
+            <p:spPr>
+              <a:xfrm>
+                <a:off x="13214684" y="17607180"/>
+                <a:ext cx="108000" cy="108000"/>
+              </a:xfrm>
+              <a:prstGeom prst="ellipse">
+                <a:avLst/>
+              </a:prstGeom>
+              <a:solidFill>
+                <a:srgbClr val="FFFF00"/>
+              </a:solidFill>
+              <a:ln>
+                <a:solidFill>
+                  <a:schemeClr val="tx1"/>
+                </a:solidFill>
+              </a:ln>
+            </p:spPr>
+            <p:style>
+              <a:lnRef idx="2">
+                <a:schemeClr val="accent1">
+                  <a:shade val="15000"/>
+                </a:schemeClr>
+              </a:lnRef>
+              <a:fillRef idx="1">
+                <a:schemeClr val="accent1"/>
+              </a:fillRef>
+              <a:effectRef idx="0">
+                <a:schemeClr val="accent1"/>
+              </a:effectRef>
+              <a:fontRef idx="minor">
+                <a:schemeClr val="lt1"/>
+              </a:fontRef>
+            </p:style>
+            <p:txBody>
+              <a:bodyPr rtlCol="0" anchor="ctr"/>
+              <a:lstStyle/>
+              <a:p>
+                <a:pPr algn="ctr"/>
+                <a:endParaRPr lang="ko-KR" altLang="en-US"/>
+              </a:p>
+            </p:txBody>
+          </p:sp>
+          <p:sp>
+            <p:nvSpPr>
+              <p:cNvPr id="55" name="타원 54">
+                <a:extLst>
+                  <a:ext uri="{FF2B5EF4-FFF2-40B4-BE49-F238E27FC236}">
+                    <a16:creationId xmlns:a16="http://schemas.microsoft.com/office/drawing/2014/main" id="{37ED9F4C-5D59-132A-DFC5-B9E3279337BF}"/>
+                  </a:ext>
+                </a:extLst>
+              </p:cNvPr>
+              <p:cNvSpPr/>
+              <p:nvPr/>
+            </p:nvSpPr>
+            <p:spPr>
+              <a:xfrm>
+                <a:off x="13948619" y="20341113"/>
+                <a:ext cx="198000" cy="198000"/>
+              </a:xfrm>
+              <a:prstGeom prst="ellipse">
+                <a:avLst/>
+              </a:prstGeom>
+              <a:solidFill>
+                <a:srgbClr val="FFFF00"/>
+              </a:solidFill>
+              <a:ln>
+                <a:solidFill>
+                  <a:schemeClr val="tx1"/>
+                </a:solidFill>
+              </a:ln>
+            </p:spPr>
+            <p:style>
+              <a:lnRef idx="2">
+                <a:schemeClr val="accent1">
+                  <a:shade val="15000"/>
+                </a:schemeClr>
+              </a:lnRef>
+              <a:fillRef idx="1">
+                <a:schemeClr val="accent1"/>
+              </a:fillRef>
+              <a:effectRef idx="0">
+                <a:schemeClr val="accent1"/>
+              </a:effectRef>
+              <a:fontRef idx="minor">
+                <a:schemeClr val="lt1"/>
+              </a:fontRef>
+            </p:style>
+            <p:txBody>
+              <a:bodyPr rtlCol="0" anchor="ctr"/>
+              <a:lstStyle/>
+              <a:p>
+                <a:pPr algn="ctr"/>
+                <a:endParaRPr lang="ko-KR" altLang="en-US"/>
+              </a:p>
+            </p:txBody>
+          </p:sp>
+        </p:grpSp>
+        <p:grpSp>
+          <p:nvGrpSpPr>
+            <p:cNvPr id="7" name="그룹 6">
+              <a:extLst>
+                <a:ext uri="{FF2B5EF4-FFF2-40B4-BE49-F238E27FC236}">
+                  <a16:creationId xmlns:a16="http://schemas.microsoft.com/office/drawing/2014/main" id="{6FAA430D-E3E6-21F5-442F-4EC8A8A1B660}"/>
+                </a:ext>
+              </a:extLst>
+            </p:cNvPr>
+            <p:cNvGrpSpPr/>
+            <p:nvPr/>
+          </p:nvGrpSpPr>
+          <p:grpSpPr>
+            <a:xfrm rot="2941078">
+              <a:off x="1739305" y="6120254"/>
+              <a:ext cx="3213466" cy="6921220"/>
+              <a:chOff x="5073728" y="11170529"/>
+              <a:chExt cx="3213466" cy="6921220"/>
+            </a:xfrm>
+          </p:grpSpPr>
+          <p:sp>
+            <p:nvSpPr>
+              <p:cNvPr id="39" name="타원 38">
+                <a:extLst>
+                  <a:ext uri="{FF2B5EF4-FFF2-40B4-BE49-F238E27FC236}">
+                    <a16:creationId xmlns:a16="http://schemas.microsoft.com/office/drawing/2014/main" id="{ECE82D0D-AD12-BEB0-F8F6-C1874D01B90D}"/>
+                  </a:ext>
+                </a:extLst>
+              </p:cNvPr>
+              <p:cNvSpPr/>
+              <p:nvPr/>
+            </p:nvSpPr>
+            <p:spPr>
+              <a:xfrm>
+                <a:off x="6586685" y="16930006"/>
+                <a:ext cx="108000" cy="108000"/>
+              </a:xfrm>
+              <a:prstGeom prst="ellipse">
+                <a:avLst/>
+              </a:prstGeom>
+              <a:solidFill>
+                <a:srgbClr val="FFFF00"/>
+              </a:solidFill>
+              <a:ln>
+                <a:solidFill>
+                  <a:schemeClr val="tx1"/>
+                </a:solidFill>
+              </a:ln>
+            </p:spPr>
+            <p:style>
+              <a:lnRef idx="2">
+                <a:schemeClr val="accent1">
+                  <a:shade val="15000"/>
+                </a:schemeClr>
+              </a:lnRef>
+              <a:fillRef idx="1">
+                <a:schemeClr val="accent1"/>
+              </a:fillRef>
+              <a:effectRef idx="0">
+                <a:schemeClr val="accent1"/>
+              </a:effectRef>
+              <a:fontRef idx="minor">
+                <a:schemeClr val="lt1"/>
+              </a:fontRef>
+            </p:style>
+            <p:txBody>
+              <a:bodyPr rtlCol="0" anchor="ctr"/>
+              <a:lstStyle/>
+              <a:p>
+                <a:pPr algn="ctr"/>
+                <a:endParaRPr lang="ko-KR" altLang="en-US"/>
+              </a:p>
+            </p:txBody>
+          </p:sp>
+          <p:sp>
+            <p:nvSpPr>
+              <p:cNvPr id="41" name="타원 40">
+                <a:extLst>
+                  <a:ext uri="{FF2B5EF4-FFF2-40B4-BE49-F238E27FC236}">
+                    <a16:creationId xmlns:a16="http://schemas.microsoft.com/office/drawing/2014/main" id="{2C650E31-A491-FF5E-30DC-5EC3A82154AE}"/>
+                  </a:ext>
+                </a:extLst>
+              </p:cNvPr>
+              <p:cNvSpPr/>
+              <p:nvPr/>
+            </p:nvSpPr>
+            <p:spPr>
+              <a:xfrm>
+                <a:off x="7142580" y="17983749"/>
+                <a:ext cx="108000" cy="108000"/>
+              </a:xfrm>
+              <a:prstGeom prst="ellipse">
+                <a:avLst/>
+              </a:prstGeom>
+              <a:solidFill>
+                <a:srgbClr val="FFFF00"/>
+              </a:solidFill>
+              <a:ln>
+                <a:solidFill>
+                  <a:schemeClr val="tx1"/>
+                </a:solidFill>
+              </a:ln>
+            </p:spPr>
+            <p:style>
+              <a:lnRef idx="2">
+                <a:schemeClr val="accent1">
+                  <a:shade val="15000"/>
+                </a:schemeClr>
+              </a:lnRef>
+              <a:fillRef idx="1">
+                <a:schemeClr val="accent1"/>
+              </a:fillRef>
+              <a:effectRef idx="0">
+                <a:schemeClr val="accent1"/>
+              </a:effectRef>
+              <a:fontRef idx="minor">
+                <a:schemeClr val="lt1"/>
+              </a:fontRef>
+            </p:style>
+            <p:txBody>
+              <a:bodyPr rtlCol="0" anchor="ctr"/>
+              <a:lstStyle/>
+              <a:p>
+                <a:pPr algn="ctr"/>
+                <a:endParaRPr lang="ko-KR" altLang="en-US"/>
+              </a:p>
+            </p:txBody>
+          </p:sp>
+          <p:sp>
+            <p:nvSpPr>
+              <p:cNvPr id="42" name="타원 41">
+                <a:extLst>
+                  <a:ext uri="{FF2B5EF4-FFF2-40B4-BE49-F238E27FC236}">
+                    <a16:creationId xmlns:a16="http://schemas.microsoft.com/office/drawing/2014/main" id="{9C35E238-F041-9041-4D63-BA90856CB6EF}"/>
+                  </a:ext>
+                </a:extLst>
+              </p:cNvPr>
+              <p:cNvSpPr/>
+              <p:nvPr/>
+            </p:nvSpPr>
+            <p:spPr>
+              <a:xfrm>
+                <a:off x="6328566" y="13122291"/>
+                <a:ext cx="108000" cy="108000"/>
+              </a:xfrm>
+              <a:prstGeom prst="ellipse">
+                <a:avLst/>
+              </a:prstGeom>
+              <a:solidFill>
+                <a:srgbClr val="FFFF00"/>
+              </a:solidFill>
+              <a:ln>
+                <a:solidFill>
+                  <a:schemeClr val="tx1"/>
+                </a:solidFill>
+              </a:ln>
+            </p:spPr>
+            <p:style>
+              <a:lnRef idx="2">
+                <a:schemeClr val="accent1">
+                  <a:shade val="15000"/>
+                </a:schemeClr>
+              </a:lnRef>
+              <a:fillRef idx="1">
+                <a:schemeClr val="accent1"/>
+              </a:fillRef>
+              <a:effectRef idx="0">
+                <a:schemeClr val="accent1"/>
+              </a:effectRef>
+              <a:fontRef idx="minor">
+                <a:schemeClr val="lt1"/>
+              </a:fontRef>
+            </p:style>
+            <p:txBody>
+              <a:bodyPr rtlCol="0" anchor="ctr"/>
+              <a:lstStyle/>
+              <a:p>
+                <a:pPr algn="ctr"/>
+                <a:endParaRPr lang="ko-KR" altLang="en-US"/>
+              </a:p>
+            </p:txBody>
+          </p:sp>
+          <p:sp>
+            <p:nvSpPr>
+              <p:cNvPr id="43" name="타원 42">
+                <a:extLst>
+                  <a:ext uri="{FF2B5EF4-FFF2-40B4-BE49-F238E27FC236}">
+                    <a16:creationId xmlns:a16="http://schemas.microsoft.com/office/drawing/2014/main" id="{19EDFC32-21F3-AE9A-A78D-DAECDC1A3A27}"/>
+                  </a:ext>
+                </a:extLst>
+              </p:cNvPr>
+              <p:cNvSpPr/>
+              <p:nvPr/>
+            </p:nvSpPr>
+            <p:spPr>
+              <a:xfrm>
+                <a:off x="6487257" y="12366198"/>
+                <a:ext cx="108000" cy="108000"/>
+              </a:xfrm>
+              <a:prstGeom prst="ellipse">
+                <a:avLst/>
+              </a:prstGeom>
+              <a:solidFill>
+                <a:srgbClr val="FFFF00"/>
+              </a:solidFill>
+              <a:ln>
+                <a:solidFill>
+                  <a:schemeClr val="tx1"/>
+                </a:solidFill>
+              </a:ln>
+            </p:spPr>
+            <p:style>
+              <a:lnRef idx="2">
+                <a:schemeClr val="accent1">
+                  <a:shade val="15000"/>
+                </a:schemeClr>
+              </a:lnRef>
+              <a:fillRef idx="1">
+                <a:schemeClr val="accent1"/>
+              </a:fillRef>
+              <a:effectRef idx="0">
+                <a:schemeClr val="accent1"/>
+              </a:effectRef>
+              <a:fontRef idx="minor">
+                <a:schemeClr val="lt1"/>
+              </a:fontRef>
+            </p:style>
+            <p:txBody>
+              <a:bodyPr rtlCol="0" anchor="ctr"/>
+              <a:lstStyle/>
+              <a:p>
+                <a:pPr algn="ctr"/>
+                <a:endParaRPr lang="ko-KR" altLang="en-US"/>
+              </a:p>
+            </p:txBody>
+          </p:sp>
+          <p:sp>
+            <p:nvSpPr>
+              <p:cNvPr id="48" name="타원 47">
+                <a:extLst>
+                  <a:ext uri="{FF2B5EF4-FFF2-40B4-BE49-F238E27FC236}">
+                    <a16:creationId xmlns:a16="http://schemas.microsoft.com/office/drawing/2014/main" id="{4437BF44-D83C-9AC5-4AB8-BFD47292B434}"/>
+                  </a:ext>
+                </a:extLst>
+              </p:cNvPr>
+              <p:cNvSpPr/>
+              <p:nvPr/>
+            </p:nvSpPr>
+            <p:spPr>
+              <a:xfrm>
+                <a:off x="8089194" y="17868411"/>
+                <a:ext cx="198000" cy="198000"/>
+              </a:xfrm>
+              <a:prstGeom prst="ellipse">
+                <a:avLst/>
+              </a:prstGeom>
+              <a:solidFill>
+                <a:srgbClr val="FFFF00"/>
+              </a:solidFill>
+              <a:ln>
+                <a:solidFill>
+                  <a:schemeClr val="tx1"/>
+                </a:solidFill>
+              </a:ln>
+            </p:spPr>
+            <p:style>
+              <a:lnRef idx="2">
+                <a:schemeClr val="accent1">
+                  <a:shade val="15000"/>
+                </a:schemeClr>
+              </a:lnRef>
+              <a:fillRef idx="1">
+                <a:schemeClr val="accent1"/>
+              </a:fillRef>
+              <a:effectRef idx="0">
+                <a:schemeClr val="accent1"/>
+              </a:effectRef>
+              <a:fontRef idx="minor">
+                <a:schemeClr val="lt1"/>
+              </a:fontRef>
+            </p:style>
+            <p:txBody>
+              <a:bodyPr rtlCol="0" anchor="ctr"/>
+              <a:lstStyle/>
+              <a:p>
+                <a:pPr algn="ctr"/>
+                <a:endParaRPr lang="ko-KR" altLang="en-US"/>
+              </a:p>
+            </p:txBody>
+          </p:sp>
+          <p:sp>
+            <p:nvSpPr>
+              <p:cNvPr id="49" name="타원 48">
+                <a:extLst>
+                  <a:ext uri="{FF2B5EF4-FFF2-40B4-BE49-F238E27FC236}">
+                    <a16:creationId xmlns:a16="http://schemas.microsoft.com/office/drawing/2014/main" id="{A41422CC-B6C1-4AF4-E5FD-5DDED2C022FA}"/>
+                  </a:ext>
+                </a:extLst>
+              </p:cNvPr>
+              <p:cNvSpPr/>
+              <p:nvPr/>
+            </p:nvSpPr>
+            <p:spPr>
+              <a:xfrm>
+                <a:off x="5073728" y="14467016"/>
+                <a:ext cx="198000" cy="198000"/>
+              </a:xfrm>
+              <a:prstGeom prst="ellipse">
+                <a:avLst/>
+              </a:prstGeom>
+              <a:solidFill>
+                <a:srgbClr val="FFFF00"/>
+              </a:solidFill>
+              <a:ln>
+                <a:solidFill>
+                  <a:schemeClr val="tx1"/>
+                </a:solidFill>
+              </a:ln>
+            </p:spPr>
+            <p:style>
+              <a:lnRef idx="2">
+                <a:schemeClr val="accent1">
+                  <a:shade val="15000"/>
+                </a:schemeClr>
+              </a:lnRef>
+              <a:fillRef idx="1">
+                <a:schemeClr val="accent1"/>
+              </a:fillRef>
+              <a:effectRef idx="0">
+                <a:schemeClr val="accent1"/>
+              </a:effectRef>
+              <a:fontRef idx="minor">
+                <a:schemeClr val="lt1"/>
+              </a:fontRef>
+            </p:style>
+            <p:txBody>
+              <a:bodyPr rtlCol="0" anchor="ctr"/>
+              <a:lstStyle/>
+              <a:p>
+                <a:pPr algn="ctr"/>
+                <a:endParaRPr lang="ko-KR" altLang="en-US" dirty="0"/>
+              </a:p>
+            </p:txBody>
+          </p:sp>
+          <p:sp>
+            <p:nvSpPr>
+              <p:cNvPr id="51" name="타원 50">
+                <a:extLst>
+                  <a:ext uri="{FF2B5EF4-FFF2-40B4-BE49-F238E27FC236}">
+                    <a16:creationId xmlns:a16="http://schemas.microsoft.com/office/drawing/2014/main" id="{31718BBD-6E1D-87A1-EC02-6B328328290D}"/>
+                  </a:ext>
+                </a:extLst>
+              </p:cNvPr>
+              <p:cNvSpPr/>
+              <p:nvPr/>
+            </p:nvSpPr>
+            <p:spPr>
+              <a:xfrm>
+                <a:off x="7298792" y="14904232"/>
+                <a:ext cx="198000" cy="198000"/>
+              </a:xfrm>
+              <a:prstGeom prst="ellipse">
+                <a:avLst/>
+              </a:prstGeom>
+              <a:solidFill>
+                <a:srgbClr val="FFFF00"/>
+              </a:solidFill>
+              <a:ln>
+                <a:solidFill>
+                  <a:schemeClr val="tx1"/>
+                </a:solidFill>
+              </a:ln>
+            </p:spPr>
+            <p:style>
+              <a:lnRef idx="2">
+                <a:schemeClr val="accent1">
+                  <a:shade val="15000"/>
+                </a:schemeClr>
+              </a:lnRef>
+              <a:fillRef idx="1">
+                <a:schemeClr val="accent1"/>
+              </a:fillRef>
+              <a:effectRef idx="0">
+                <a:schemeClr val="accent1"/>
+              </a:effectRef>
+              <a:fontRef idx="minor">
+                <a:schemeClr val="lt1"/>
+              </a:fontRef>
+            </p:style>
+            <p:txBody>
+              <a:bodyPr rtlCol="0" anchor="ctr"/>
+              <a:lstStyle/>
+              <a:p>
+                <a:pPr algn="ctr"/>
+                <a:endParaRPr lang="ko-KR" altLang="en-US"/>
+              </a:p>
+            </p:txBody>
+          </p:sp>
+          <p:sp>
+            <p:nvSpPr>
+              <p:cNvPr id="57" name="타원 56">
+                <a:extLst>
+                  <a:ext uri="{FF2B5EF4-FFF2-40B4-BE49-F238E27FC236}">
+                    <a16:creationId xmlns:a16="http://schemas.microsoft.com/office/drawing/2014/main" id="{3AF6F0AE-DFE7-DA95-1946-5F0585326C2C}"/>
+                  </a:ext>
+                </a:extLst>
+              </p:cNvPr>
+              <p:cNvSpPr/>
+              <p:nvPr/>
+            </p:nvSpPr>
+            <p:spPr>
+              <a:xfrm>
+                <a:off x="6325257" y="16006234"/>
+                <a:ext cx="324000" cy="324000"/>
+              </a:xfrm>
+              <a:prstGeom prst="ellipse">
+                <a:avLst/>
+              </a:prstGeom>
+              <a:solidFill>
+                <a:srgbClr val="FFFF00"/>
+              </a:solidFill>
+              <a:ln>
+                <a:solidFill>
+                  <a:schemeClr val="tx1"/>
+                </a:solidFill>
+              </a:ln>
+            </p:spPr>
+            <p:style>
+              <a:lnRef idx="2">
+                <a:schemeClr val="accent1">
+                  <a:shade val="15000"/>
+                </a:schemeClr>
+              </a:lnRef>
+              <a:fillRef idx="1">
+                <a:schemeClr val="accent1"/>
+              </a:fillRef>
+              <a:effectRef idx="0">
+                <a:schemeClr val="accent1"/>
+              </a:effectRef>
+              <a:fontRef idx="minor">
+                <a:schemeClr val="lt1"/>
+              </a:fontRef>
+            </p:style>
+            <p:txBody>
+              <a:bodyPr rtlCol="0" anchor="ctr"/>
+              <a:lstStyle/>
+              <a:p>
+                <a:pPr algn="ctr"/>
+                <a:endParaRPr lang="ko-KR" altLang="en-US"/>
+              </a:p>
+            </p:txBody>
+          </p:sp>
+          <p:sp>
+            <p:nvSpPr>
+              <p:cNvPr id="58" name="타원 57">
+                <a:extLst>
+                  <a:ext uri="{FF2B5EF4-FFF2-40B4-BE49-F238E27FC236}">
+                    <a16:creationId xmlns:a16="http://schemas.microsoft.com/office/drawing/2014/main" id="{3DC9AE45-3BF6-977A-F3F1-7CC961F11DD3}"/>
+                  </a:ext>
+                </a:extLst>
+              </p:cNvPr>
+              <p:cNvSpPr/>
+              <p:nvPr/>
+            </p:nvSpPr>
+            <p:spPr>
+              <a:xfrm>
+                <a:off x="6383419" y="13680685"/>
+                <a:ext cx="324000" cy="324000"/>
+              </a:xfrm>
+              <a:prstGeom prst="ellipse">
+                <a:avLst/>
+              </a:prstGeom>
+              <a:solidFill>
+                <a:srgbClr val="FFFF00"/>
+              </a:solidFill>
+              <a:ln>
+                <a:solidFill>
+                  <a:schemeClr val="tx1"/>
+                </a:solidFill>
+              </a:ln>
+            </p:spPr>
+            <p:style>
+              <a:lnRef idx="2">
+                <a:schemeClr val="accent1">
+                  <a:shade val="15000"/>
+                </a:schemeClr>
+              </a:lnRef>
+              <a:fillRef idx="1">
+                <a:schemeClr val="accent1"/>
+              </a:fillRef>
+              <a:effectRef idx="0">
+                <a:schemeClr val="accent1"/>
+              </a:effectRef>
+              <a:fontRef idx="minor">
+                <a:schemeClr val="lt1"/>
+              </a:fontRef>
+            </p:style>
+            <p:txBody>
+              <a:bodyPr rtlCol="0" anchor="ctr"/>
+              <a:lstStyle/>
+              <a:p>
+                <a:pPr algn="ctr"/>
+                <a:endParaRPr lang="ko-KR" altLang="en-US" dirty="0"/>
+              </a:p>
+            </p:txBody>
+          </p:sp>
+          <p:sp>
+            <p:nvSpPr>
+              <p:cNvPr id="59" name="타원 58">
+                <a:extLst>
+                  <a:ext uri="{FF2B5EF4-FFF2-40B4-BE49-F238E27FC236}">
+                    <a16:creationId xmlns:a16="http://schemas.microsoft.com/office/drawing/2014/main" id="{A0B07F23-9744-3966-A08D-1E261C6FC872}"/>
+                  </a:ext>
+                </a:extLst>
+              </p:cNvPr>
+              <p:cNvSpPr/>
+              <p:nvPr/>
+            </p:nvSpPr>
+            <p:spPr>
+              <a:xfrm>
+                <a:off x="6723554" y="11170529"/>
+                <a:ext cx="324000" cy="324000"/>
+              </a:xfrm>
+              <a:prstGeom prst="ellipse">
+                <a:avLst/>
+              </a:prstGeom>
+              <a:solidFill>
+                <a:srgbClr val="FFFF00"/>
+              </a:solidFill>
+              <a:ln>
+                <a:solidFill>
+                  <a:schemeClr val="tx1"/>
+                </a:solidFill>
+              </a:ln>
+            </p:spPr>
+            <p:style>
+              <a:lnRef idx="2">
+                <a:schemeClr val="accent1">
+                  <a:shade val="15000"/>
+                </a:schemeClr>
+              </a:lnRef>
+              <a:fillRef idx="1">
+                <a:schemeClr val="accent1"/>
+              </a:fillRef>
+              <a:effectRef idx="0">
+                <a:schemeClr val="accent1"/>
+              </a:effectRef>
+              <a:fontRef idx="minor">
+                <a:schemeClr val="lt1"/>
+              </a:fontRef>
+            </p:style>
+            <p:txBody>
+              <a:bodyPr rtlCol="0" anchor="ctr"/>
+              <a:lstStyle/>
+              <a:p>
+                <a:pPr algn="ctr"/>
+                <a:endParaRPr lang="ko-KR" altLang="en-US"/>
+              </a:p>
+            </p:txBody>
+          </p:sp>
+        </p:grpSp>
+        <p:sp>
+          <p:nvSpPr>
+            <p:cNvPr id="62" name="타원 61">
+              <a:extLst>
+                <a:ext uri="{FF2B5EF4-FFF2-40B4-BE49-F238E27FC236}">
+                  <a16:creationId xmlns:a16="http://schemas.microsoft.com/office/drawing/2014/main" id="{DCF8B981-C3B4-3204-16CA-55010EA1D3A6}"/>
+                </a:ext>
+              </a:extLst>
+            </p:cNvPr>
+            <p:cNvSpPr/>
+            <p:nvPr/>
+          </p:nvSpPr>
+          <p:spPr>
+            <a:xfrm rot="4249259">
+              <a:off x="12101014" y="7180382"/>
+              <a:ext cx="432000" cy="432000"/>
+            </a:xfrm>
+            <a:prstGeom prst="ellipse">
+              <a:avLst/>
+            </a:prstGeom>
+            <a:solidFill>
+              <a:srgbClr val="FFFF00"/>
+            </a:solidFill>
+            <a:ln>
+              <a:solidFill>
+                <a:schemeClr val="tx1"/>
+              </a:solidFill>
+            </a:ln>
+          </p:spPr>
+          <p:style>
+            <a:lnRef idx="2">
+              <a:schemeClr val="accent1">
+                <a:shade val="15000"/>
+              </a:schemeClr>
+            </a:lnRef>
+            <a:fillRef idx="1">
+              <a:schemeClr val="accent1"/>
+            </a:fillRef>
+            <a:effectRef idx="0">
+              <a:schemeClr val="accent1"/>
+            </a:effectRef>
+            <a:fontRef idx="minor">
+              <a:schemeClr val="lt1"/>
+            </a:fontRef>
+          </p:style>
+          <p:txBody>
+            <a:bodyPr rtlCol="0" anchor="ctr"/>
+            <a:lstStyle/>
+            <a:p>
+              <a:pPr algn="ctr"/>
+              <a:endParaRPr lang="ko-KR" altLang="en-US" dirty="0"/>
+            </a:p>
+          </p:txBody>
+        </p:sp>
+        <p:sp>
+          <p:nvSpPr>
+            <p:cNvPr id="63" name="타원 62">
+              <a:extLst>
+                <a:ext uri="{FF2B5EF4-FFF2-40B4-BE49-F238E27FC236}">
+                  <a16:creationId xmlns:a16="http://schemas.microsoft.com/office/drawing/2014/main" id="{CB5C3302-EB81-955B-6EB9-142CC38EF03B}"/>
+                </a:ext>
+              </a:extLst>
+            </p:cNvPr>
+            <p:cNvSpPr/>
+            <p:nvPr/>
+          </p:nvSpPr>
+          <p:spPr>
+            <a:xfrm rot="4249259">
+              <a:off x="8154024" y="13924577"/>
+              <a:ext cx="432000" cy="432000"/>
+            </a:xfrm>
+            <a:prstGeom prst="ellipse">
+              <a:avLst/>
+            </a:prstGeom>
+            <a:solidFill>
+              <a:srgbClr val="FFFF00"/>
+            </a:solidFill>
+            <a:ln>
+              <a:solidFill>
+                <a:schemeClr val="tx1"/>
+              </a:solidFill>
+            </a:ln>
+          </p:spPr>
+          <p:style>
+            <a:lnRef idx="2">
+              <a:schemeClr val="accent1">
+                <a:shade val="15000"/>
+              </a:schemeClr>
+            </a:lnRef>
+            <a:fillRef idx="1">
+              <a:schemeClr val="accent1"/>
+            </a:fillRef>
+            <a:effectRef idx="0">
+              <a:schemeClr val="accent1"/>
+            </a:effectRef>
+            <a:fontRef idx="minor">
+              <a:schemeClr val="lt1"/>
+            </a:fontRef>
+          </p:style>
+          <p:txBody>
+            <a:bodyPr rtlCol="0" anchor="ctr"/>
+            <a:lstStyle/>
+            <a:p>
+              <a:pPr algn="ctr"/>
+              <a:endParaRPr lang="ko-KR" altLang="en-US"/>
+            </a:p>
+          </p:txBody>
+        </p:sp>
+        <p:grpSp>
+          <p:nvGrpSpPr>
+            <p:cNvPr id="131" name="그룹 130">
+              <a:extLst>
+                <a:ext uri="{FF2B5EF4-FFF2-40B4-BE49-F238E27FC236}">
+                  <a16:creationId xmlns:a16="http://schemas.microsoft.com/office/drawing/2014/main" id="{26C88885-3771-D0CE-FF06-D7094470A94A}"/>
+                </a:ext>
+              </a:extLst>
+            </p:cNvPr>
+            <p:cNvGrpSpPr/>
+            <p:nvPr/>
+          </p:nvGrpSpPr>
+          <p:grpSpPr>
+            <a:xfrm rot="4249259">
+              <a:off x="13453867" y="2856860"/>
+              <a:ext cx="4202537" cy="3565289"/>
+              <a:chOff x="4415882" y="2583853"/>
+              <a:chExt cx="4202537" cy="3565289"/>
+            </a:xfrm>
+          </p:grpSpPr>
+          <p:sp>
+            <p:nvSpPr>
+              <p:cNvPr id="74" name="타원 73">
+                <a:extLst>
+                  <a:ext uri="{FF2B5EF4-FFF2-40B4-BE49-F238E27FC236}">
+                    <a16:creationId xmlns:a16="http://schemas.microsoft.com/office/drawing/2014/main" id="{057CB7BB-F2F2-4060-37AB-9E040F2BA7D6}"/>
+                  </a:ext>
+                </a:extLst>
+              </p:cNvPr>
+              <p:cNvSpPr/>
+              <p:nvPr/>
+            </p:nvSpPr>
+            <p:spPr>
+              <a:xfrm>
+                <a:off x="5484400" y="2583853"/>
+                <a:ext cx="198000" cy="198000"/>
+              </a:xfrm>
+              <a:prstGeom prst="ellipse">
+                <a:avLst/>
+              </a:prstGeom>
+              <a:solidFill>
+                <a:srgbClr val="FFFF00"/>
+              </a:solidFill>
+              <a:ln>
+                <a:solidFill>
+                  <a:schemeClr val="tx1"/>
+                </a:solidFill>
+              </a:ln>
+            </p:spPr>
+            <p:style>
+              <a:lnRef idx="2">
+                <a:schemeClr val="accent1">
+                  <a:shade val="15000"/>
+                </a:schemeClr>
+              </a:lnRef>
+              <a:fillRef idx="1">
+                <a:schemeClr val="accent1"/>
+              </a:fillRef>
+              <a:effectRef idx="0">
+                <a:schemeClr val="accent1"/>
+              </a:effectRef>
+              <a:fontRef idx="minor">
+                <a:schemeClr val="lt1"/>
+              </a:fontRef>
+            </p:style>
+            <p:txBody>
+              <a:bodyPr rtlCol="0" anchor="ctr"/>
+              <a:lstStyle/>
+              <a:p>
+                <a:pPr algn="ctr"/>
+                <a:endParaRPr lang="ko-KR" altLang="en-US" dirty="0"/>
+              </a:p>
+            </p:txBody>
+          </p:sp>
+          <p:sp>
+            <p:nvSpPr>
+              <p:cNvPr id="76" name="타원 75">
+                <a:extLst>
+                  <a:ext uri="{FF2B5EF4-FFF2-40B4-BE49-F238E27FC236}">
+                    <a16:creationId xmlns:a16="http://schemas.microsoft.com/office/drawing/2014/main" id="{4D0EEBAC-5084-29BC-2375-A0A5FD240E12}"/>
+                  </a:ext>
+                </a:extLst>
+              </p:cNvPr>
+              <p:cNvSpPr/>
+              <p:nvPr/>
+            </p:nvSpPr>
+            <p:spPr>
+              <a:xfrm>
+                <a:off x="4415882" y="4207336"/>
+                <a:ext cx="432000" cy="432000"/>
+              </a:xfrm>
+              <a:prstGeom prst="ellipse">
+                <a:avLst/>
+              </a:prstGeom>
+              <a:solidFill>
+                <a:srgbClr val="FFFF00"/>
+              </a:solidFill>
+              <a:ln>
+                <a:solidFill>
+                  <a:schemeClr val="tx1"/>
+                </a:solidFill>
+              </a:ln>
+            </p:spPr>
+            <p:style>
+              <a:lnRef idx="2">
+                <a:schemeClr val="accent1">
+                  <a:shade val="15000"/>
+                </a:schemeClr>
+              </a:lnRef>
+              <a:fillRef idx="1">
+                <a:schemeClr val="accent1"/>
+              </a:fillRef>
+              <a:effectRef idx="0">
+                <a:schemeClr val="accent1"/>
+              </a:effectRef>
+              <a:fontRef idx="minor">
+                <a:schemeClr val="lt1"/>
+              </a:fontRef>
+            </p:style>
+            <p:txBody>
+              <a:bodyPr rtlCol="0" anchor="ctr"/>
+              <a:lstStyle/>
+              <a:p>
+                <a:pPr algn="ctr"/>
+                <a:endParaRPr lang="ko-KR" altLang="en-US" dirty="0"/>
+              </a:p>
+            </p:txBody>
+          </p:sp>
+          <p:sp>
+            <p:nvSpPr>
+              <p:cNvPr id="78" name="타원 77">
+                <a:extLst>
+                  <a:ext uri="{FF2B5EF4-FFF2-40B4-BE49-F238E27FC236}">
+                    <a16:creationId xmlns:a16="http://schemas.microsoft.com/office/drawing/2014/main" id="{6854840F-C827-68EB-0EEB-75438C824422}"/>
+                  </a:ext>
+                </a:extLst>
+              </p:cNvPr>
+              <p:cNvSpPr/>
+              <p:nvPr/>
+            </p:nvSpPr>
+            <p:spPr>
+              <a:xfrm>
+                <a:off x="6625218" y="4138375"/>
+                <a:ext cx="108000" cy="108000"/>
+              </a:xfrm>
+              <a:prstGeom prst="ellipse">
+                <a:avLst/>
+              </a:prstGeom>
+              <a:solidFill>
+                <a:srgbClr val="FFFF00"/>
+              </a:solidFill>
+              <a:ln>
+                <a:solidFill>
+                  <a:schemeClr val="tx1"/>
+                </a:solidFill>
+              </a:ln>
+            </p:spPr>
+            <p:style>
+              <a:lnRef idx="2">
+                <a:schemeClr val="accent1">
+                  <a:shade val="15000"/>
+                </a:schemeClr>
+              </a:lnRef>
+              <a:fillRef idx="1">
+                <a:schemeClr val="accent1"/>
+              </a:fillRef>
+              <a:effectRef idx="0">
+                <a:schemeClr val="accent1"/>
+              </a:effectRef>
+              <a:fontRef idx="minor">
+                <a:schemeClr val="lt1"/>
+              </a:fontRef>
+            </p:style>
+            <p:txBody>
+              <a:bodyPr rtlCol="0" anchor="ctr"/>
+              <a:lstStyle/>
+              <a:p>
+                <a:pPr algn="ctr"/>
+                <a:endParaRPr lang="ko-KR" altLang="en-US"/>
+              </a:p>
+            </p:txBody>
+          </p:sp>
+          <p:sp>
+            <p:nvSpPr>
+              <p:cNvPr id="79" name="타원 78">
+                <a:extLst>
+                  <a:ext uri="{FF2B5EF4-FFF2-40B4-BE49-F238E27FC236}">
+                    <a16:creationId xmlns:a16="http://schemas.microsoft.com/office/drawing/2014/main" id="{7FB28013-2748-0620-18AB-9B00D1773B9A}"/>
+                  </a:ext>
+                </a:extLst>
+              </p:cNvPr>
+              <p:cNvSpPr/>
+              <p:nvPr/>
+            </p:nvSpPr>
+            <p:spPr>
+              <a:xfrm>
+                <a:off x="6547874" y="4448162"/>
+                <a:ext cx="108000" cy="108000"/>
+              </a:xfrm>
+              <a:prstGeom prst="ellipse">
+                <a:avLst/>
+              </a:prstGeom>
+              <a:solidFill>
+                <a:srgbClr val="FFFF00"/>
+              </a:solidFill>
+              <a:ln>
+                <a:solidFill>
+                  <a:schemeClr val="tx1"/>
+                </a:solidFill>
+              </a:ln>
+            </p:spPr>
+            <p:style>
+              <a:lnRef idx="2">
+                <a:schemeClr val="accent1">
+                  <a:shade val="15000"/>
+                </a:schemeClr>
+              </a:lnRef>
+              <a:fillRef idx="1">
+                <a:schemeClr val="accent1"/>
+              </a:fillRef>
+              <a:effectRef idx="0">
+                <a:schemeClr val="accent1"/>
+              </a:effectRef>
+              <a:fontRef idx="minor">
+                <a:schemeClr val="lt1"/>
+              </a:fontRef>
+            </p:style>
+            <p:txBody>
+              <a:bodyPr rtlCol="0" anchor="ctr"/>
+              <a:lstStyle/>
+              <a:p>
+                <a:pPr algn="ctr"/>
+                <a:endParaRPr lang="ko-KR" altLang="en-US" dirty="0"/>
+              </a:p>
+            </p:txBody>
+          </p:sp>
+          <p:sp>
+            <p:nvSpPr>
+              <p:cNvPr id="81" name="타원 80">
+                <a:extLst>
+                  <a:ext uri="{FF2B5EF4-FFF2-40B4-BE49-F238E27FC236}">
+                    <a16:creationId xmlns:a16="http://schemas.microsoft.com/office/drawing/2014/main" id="{F85C061D-097D-26ED-5973-DCA2F1EFFA3D}"/>
+                  </a:ext>
+                </a:extLst>
+              </p:cNvPr>
+              <p:cNvSpPr/>
+              <p:nvPr/>
+            </p:nvSpPr>
+            <p:spPr>
+              <a:xfrm>
+                <a:off x="6503687" y="4730342"/>
+                <a:ext cx="108000" cy="108000"/>
+              </a:xfrm>
+              <a:prstGeom prst="ellipse">
+                <a:avLst/>
+              </a:prstGeom>
+              <a:solidFill>
+                <a:srgbClr val="FFFF00"/>
+              </a:solidFill>
+              <a:ln>
+                <a:solidFill>
+                  <a:schemeClr val="tx1"/>
+                </a:solidFill>
+              </a:ln>
+            </p:spPr>
+            <p:style>
+              <a:lnRef idx="2">
+                <a:schemeClr val="accent1">
+                  <a:shade val="15000"/>
+                </a:schemeClr>
+              </a:lnRef>
+              <a:fillRef idx="1">
+                <a:schemeClr val="accent1"/>
+              </a:fillRef>
+              <a:effectRef idx="0">
+                <a:schemeClr val="accent1"/>
+              </a:effectRef>
+              <a:fontRef idx="minor">
+                <a:schemeClr val="lt1"/>
+              </a:fontRef>
+            </p:style>
+            <p:txBody>
+              <a:bodyPr rtlCol="0" anchor="ctr"/>
+              <a:lstStyle/>
+              <a:p>
+                <a:pPr algn="ctr"/>
+                <a:endParaRPr lang="ko-KR" altLang="en-US" dirty="0"/>
+              </a:p>
+            </p:txBody>
+          </p:sp>
+          <p:sp>
+            <p:nvSpPr>
+              <p:cNvPr id="83" name="타원 82">
+                <a:extLst>
+                  <a:ext uri="{FF2B5EF4-FFF2-40B4-BE49-F238E27FC236}">
+                    <a16:creationId xmlns:a16="http://schemas.microsoft.com/office/drawing/2014/main" id="{4698A923-83EA-CDE8-94E5-67F685633EAC}"/>
+                  </a:ext>
+                </a:extLst>
+              </p:cNvPr>
+              <p:cNvSpPr/>
+              <p:nvPr/>
+            </p:nvSpPr>
+            <p:spPr>
+              <a:xfrm>
+                <a:off x="7116949" y="5701109"/>
+                <a:ext cx="324000" cy="324000"/>
+              </a:xfrm>
+              <a:prstGeom prst="ellipse">
+                <a:avLst/>
+              </a:prstGeom>
+              <a:solidFill>
+                <a:srgbClr val="FFFF00"/>
+              </a:solidFill>
+              <a:ln>
+                <a:solidFill>
+                  <a:schemeClr val="tx1"/>
+                </a:solidFill>
+              </a:ln>
+            </p:spPr>
+            <p:style>
+              <a:lnRef idx="2">
+                <a:schemeClr val="accent1">
+                  <a:shade val="15000"/>
+                </a:schemeClr>
+              </a:lnRef>
+              <a:fillRef idx="1">
+                <a:schemeClr val="accent1"/>
+              </a:fillRef>
+              <a:effectRef idx="0">
+                <a:schemeClr val="accent1"/>
+              </a:effectRef>
+              <a:fontRef idx="minor">
+                <a:schemeClr val="lt1"/>
+              </a:fontRef>
+            </p:style>
+            <p:txBody>
+              <a:bodyPr rtlCol="0" anchor="ctr"/>
+              <a:lstStyle/>
+              <a:p>
+                <a:pPr algn="ctr"/>
+                <a:endParaRPr lang="ko-KR" altLang="en-US" dirty="0"/>
+              </a:p>
+            </p:txBody>
+          </p:sp>
+          <p:sp>
+            <p:nvSpPr>
+              <p:cNvPr id="85" name="타원 84">
+                <a:extLst>
+                  <a:ext uri="{FF2B5EF4-FFF2-40B4-BE49-F238E27FC236}">
+                    <a16:creationId xmlns:a16="http://schemas.microsoft.com/office/drawing/2014/main" id="{A367D7AE-A024-41B7-45F9-ABC459D234CB}"/>
+                  </a:ext>
+                </a:extLst>
+              </p:cNvPr>
+              <p:cNvSpPr/>
+              <p:nvPr/>
+            </p:nvSpPr>
+            <p:spPr>
+              <a:xfrm>
+                <a:off x="8186419" y="4773256"/>
+                <a:ext cx="432000" cy="432000"/>
+              </a:xfrm>
+              <a:prstGeom prst="ellipse">
+                <a:avLst/>
+              </a:prstGeom>
+              <a:solidFill>
+                <a:srgbClr val="FFFF00"/>
+              </a:solidFill>
+              <a:ln>
+                <a:solidFill>
+                  <a:schemeClr val="tx1"/>
+                </a:solidFill>
+              </a:ln>
+            </p:spPr>
+            <p:style>
+              <a:lnRef idx="2">
+                <a:schemeClr val="accent1">
+                  <a:shade val="15000"/>
+                </a:schemeClr>
+              </a:lnRef>
+              <a:fillRef idx="1">
+                <a:schemeClr val="accent1"/>
+              </a:fillRef>
+              <a:effectRef idx="0">
+                <a:schemeClr val="accent1"/>
+              </a:effectRef>
+              <a:fontRef idx="minor">
+                <a:schemeClr val="lt1"/>
+              </a:fontRef>
+            </p:style>
+            <p:txBody>
+              <a:bodyPr rtlCol="0" anchor="ctr"/>
+              <a:lstStyle/>
+              <a:p>
+                <a:pPr algn="ctr"/>
+                <a:endParaRPr lang="ko-KR" altLang="en-US" dirty="0"/>
+              </a:p>
+            </p:txBody>
+          </p:sp>
+          <p:sp>
+            <p:nvSpPr>
+              <p:cNvPr id="87" name="타원 86">
+                <a:extLst>
+                  <a:ext uri="{FF2B5EF4-FFF2-40B4-BE49-F238E27FC236}">
+                    <a16:creationId xmlns:a16="http://schemas.microsoft.com/office/drawing/2014/main" id="{6BA4EA22-FAD9-6355-DB02-F24B5A39C390}"/>
+                  </a:ext>
+                </a:extLst>
+              </p:cNvPr>
+              <p:cNvSpPr/>
+              <p:nvPr/>
+            </p:nvSpPr>
+            <p:spPr>
+              <a:xfrm>
+                <a:off x="8114769" y="6041142"/>
+                <a:ext cx="108000" cy="108000"/>
+              </a:xfrm>
+              <a:prstGeom prst="ellipse">
+                <a:avLst/>
+              </a:prstGeom>
+              <a:solidFill>
+                <a:srgbClr val="FFFF00"/>
+              </a:solidFill>
+              <a:ln>
+                <a:solidFill>
+                  <a:schemeClr val="tx1"/>
+                </a:solidFill>
+              </a:ln>
+            </p:spPr>
+            <p:style>
+              <a:lnRef idx="2">
+                <a:schemeClr val="accent1">
+                  <a:shade val="15000"/>
+                </a:schemeClr>
+              </a:lnRef>
+              <a:fillRef idx="1">
+                <a:schemeClr val="accent1"/>
+              </a:fillRef>
+              <a:effectRef idx="0">
+                <a:schemeClr val="accent1"/>
+              </a:effectRef>
+              <a:fontRef idx="minor">
+                <a:schemeClr val="lt1"/>
+              </a:fontRef>
+            </p:style>
+            <p:txBody>
+              <a:bodyPr rtlCol="0" anchor="ctr"/>
+              <a:lstStyle/>
+              <a:p>
+                <a:pPr algn="ctr"/>
+                <a:endParaRPr lang="ko-KR" altLang="en-US" dirty="0"/>
+              </a:p>
+            </p:txBody>
+          </p:sp>
+        </p:grpSp>
+        <p:grpSp>
+          <p:nvGrpSpPr>
+            <p:cNvPr id="130" name="그룹 129">
+              <a:extLst>
+                <a:ext uri="{FF2B5EF4-FFF2-40B4-BE49-F238E27FC236}">
+                  <a16:creationId xmlns:a16="http://schemas.microsoft.com/office/drawing/2014/main" id="{DA0A5FA2-1566-4170-F416-E60AAD9EB873}"/>
+                </a:ext>
+              </a:extLst>
+            </p:cNvPr>
+            <p:cNvGrpSpPr/>
+            <p:nvPr/>
+          </p:nvGrpSpPr>
+          <p:grpSpPr>
+            <a:xfrm rot="4249259">
+              <a:off x="8453778" y="7305764"/>
+              <a:ext cx="870376" cy="2194962"/>
+              <a:chOff x="7446827" y="10801659"/>
+              <a:chExt cx="870376" cy="2194962"/>
+            </a:xfrm>
+          </p:grpSpPr>
+          <p:sp>
+            <p:nvSpPr>
+              <p:cNvPr id="89" name="타원 88">
+                <a:extLst>
+                  <a:ext uri="{FF2B5EF4-FFF2-40B4-BE49-F238E27FC236}">
+                    <a16:creationId xmlns:a16="http://schemas.microsoft.com/office/drawing/2014/main" id="{D6DD5CE3-48EE-F4A0-05B7-F53BEA1E62D5}"/>
+                  </a:ext>
+                </a:extLst>
+              </p:cNvPr>
+              <p:cNvSpPr/>
+              <p:nvPr/>
+            </p:nvSpPr>
+            <p:spPr>
+              <a:xfrm>
+                <a:off x="8142931" y="10801659"/>
+                <a:ext cx="108000" cy="108000"/>
+              </a:xfrm>
+              <a:prstGeom prst="ellipse">
+                <a:avLst/>
+              </a:prstGeom>
+              <a:solidFill>
+                <a:srgbClr val="FFFF00"/>
+              </a:solidFill>
+              <a:ln>
+                <a:solidFill>
+                  <a:schemeClr val="tx1"/>
+                </a:solidFill>
+              </a:ln>
+            </p:spPr>
+            <p:style>
+              <a:lnRef idx="2">
+                <a:schemeClr val="accent1">
+                  <a:shade val="15000"/>
+                </a:schemeClr>
+              </a:lnRef>
+              <a:fillRef idx="1">
+                <a:schemeClr val="accent1"/>
+              </a:fillRef>
+              <a:effectRef idx="0">
+                <a:schemeClr val="accent1"/>
+              </a:effectRef>
+              <a:fontRef idx="minor">
+                <a:schemeClr val="lt1"/>
+              </a:fontRef>
+            </p:style>
+            <p:txBody>
+              <a:bodyPr rtlCol="0" anchor="ctr"/>
+              <a:lstStyle/>
+              <a:p>
+                <a:pPr algn="ctr"/>
+                <a:endParaRPr lang="ko-KR" altLang="en-US"/>
+              </a:p>
+            </p:txBody>
+          </p:sp>
+          <p:sp>
+            <p:nvSpPr>
+              <p:cNvPr id="91" name="타원 90">
+                <a:extLst>
+                  <a:ext uri="{FF2B5EF4-FFF2-40B4-BE49-F238E27FC236}">
+                    <a16:creationId xmlns:a16="http://schemas.microsoft.com/office/drawing/2014/main" id="{BC0DAB2D-AAB1-8BF7-EF46-EA09B65E85E6}"/>
+                  </a:ext>
+                </a:extLst>
+              </p:cNvPr>
+              <p:cNvSpPr/>
+              <p:nvPr/>
+            </p:nvSpPr>
+            <p:spPr>
+              <a:xfrm>
+                <a:off x="7671812" y="11325614"/>
+                <a:ext cx="108000" cy="108000"/>
+              </a:xfrm>
+              <a:prstGeom prst="ellipse">
+                <a:avLst/>
+              </a:prstGeom>
+              <a:solidFill>
+                <a:srgbClr val="FFFF00"/>
+              </a:solidFill>
+              <a:ln>
+                <a:solidFill>
+                  <a:schemeClr val="tx1"/>
+                </a:solidFill>
+              </a:ln>
+            </p:spPr>
+            <p:style>
+              <a:lnRef idx="2">
+                <a:schemeClr val="accent1">
+                  <a:shade val="15000"/>
+                </a:schemeClr>
+              </a:lnRef>
+              <a:fillRef idx="1">
+                <a:schemeClr val="accent1"/>
+              </a:fillRef>
+              <a:effectRef idx="0">
+                <a:schemeClr val="accent1"/>
+              </a:effectRef>
+              <a:fontRef idx="minor">
+                <a:schemeClr val="lt1"/>
+              </a:fontRef>
+            </p:style>
+            <p:txBody>
+              <a:bodyPr rtlCol="0" anchor="ctr"/>
+              <a:lstStyle/>
+              <a:p>
+                <a:pPr algn="ctr"/>
+                <a:endParaRPr lang="ko-KR" altLang="en-US" dirty="0"/>
+              </a:p>
+            </p:txBody>
+          </p:sp>
+          <p:sp>
+            <p:nvSpPr>
+              <p:cNvPr id="94" name="타원 93">
+                <a:extLst>
+                  <a:ext uri="{FF2B5EF4-FFF2-40B4-BE49-F238E27FC236}">
+                    <a16:creationId xmlns:a16="http://schemas.microsoft.com/office/drawing/2014/main" id="{0C29DA8C-D9A2-A1D0-EF10-40CFC9540501}"/>
+                  </a:ext>
+                </a:extLst>
+              </p:cNvPr>
+              <p:cNvSpPr/>
+              <p:nvPr/>
+            </p:nvSpPr>
+            <p:spPr>
+              <a:xfrm rot="14875918">
+                <a:off x="7446827" y="12568283"/>
+                <a:ext cx="108000" cy="108000"/>
+              </a:xfrm>
+              <a:prstGeom prst="ellipse">
+                <a:avLst/>
+              </a:prstGeom>
+              <a:solidFill>
+                <a:srgbClr val="FFFF00"/>
+              </a:solidFill>
+              <a:ln>
+                <a:solidFill>
+                  <a:schemeClr val="tx1"/>
+                </a:solidFill>
+              </a:ln>
+            </p:spPr>
+            <p:style>
+              <a:lnRef idx="2">
+                <a:schemeClr val="accent1">
+                  <a:shade val="15000"/>
+                </a:schemeClr>
+              </a:lnRef>
+              <a:fillRef idx="1">
+                <a:schemeClr val="accent1"/>
+              </a:fillRef>
+              <a:effectRef idx="0">
+                <a:schemeClr val="accent1"/>
+              </a:effectRef>
+              <a:fontRef idx="minor">
+                <a:schemeClr val="lt1"/>
+              </a:fontRef>
+            </p:style>
+            <p:txBody>
+              <a:bodyPr rtlCol="0" anchor="ctr"/>
+              <a:lstStyle/>
+              <a:p>
+                <a:pPr algn="ctr"/>
+                <a:endParaRPr lang="ko-KR" altLang="en-US" dirty="0"/>
+              </a:p>
+            </p:txBody>
+          </p:sp>
+          <p:sp>
+            <p:nvSpPr>
+              <p:cNvPr id="95" name="타원 94">
+                <a:extLst>
+                  <a:ext uri="{FF2B5EF4-FFF2-40B4-BE49-F238E27FC236}">
+                    <a16:creationId xmlns:a16="http://schemas.microsoft.com/office/drawing/2014/main" id="{772E833D-4CE6-3A8A-51FC-FF0FCFE2C036}"/>
+                  </a:ext>
+                </a:extLst>
+              </p:cNvPr>
+              <p:cNvSpPr/>
+              <p:nvPr/>
+            </p:nvSpPr>
+            <p:spPr>
+              <a:xfrm rot="14875918">
+                <a:off x="8209203" y="12888621"/>
+                <a:ext cx="108000" cy="108000"/>
+              </a:xfrm>
+              <a:prstGeom prst="ellipse">
+                <a:avLst/>
+              </a:prstGeom>
+              <a:solidFill>
+                <a:srgbClr val="FFFF00"/>
+              </a:solidFill>
+              <a:ln>
+                <a:solidFill>
+                  <a:schemeClr val="tx1"/>
+                </a:solidFill>
+              </a:ln>
+            </p:spPr>
+            <p:style>
+              <a:lnRef idx="2">
+                <a:schemeClr val="accent1">
+                  <a:shade val="15000"/>
+                </a:schemeClr>
+              </a:lnRef>
+              <a:fillRef idx="1">
+                <a:schemeClr val="accent1"/>
+              </a:fillRef>
+              <a:effectRef idx="0">
+                <a:schemeClr val="accent1"/>
+              </a:effectRef>
+              <a:fontRef idx="minor">
+                <a:schemeClr val="lt1"/>
+              </a:fontRef>
+            </p:style>
+            <p:txBody>
+              <a:bodyPr rtlCol="0" anchor="ctr"/>
+              <a:lstStyle/>
+              <a:p>
+                <a:pPr algn="ctr"/>
+                <a:endParaRPr lang="ko-KR" altLang="en-US" dirty="0"/>
+              </a:p>
+            </p:txBody>
+          </p:sp>
+          <p:sp>
+            <p:nvSpPr>
+              <p:cNvPr id="96" name="타원 95">
+                <a:extLst>
+                  <a:ext uri="{FF2B5EF4-FFF2-40B4-BE49-F238E27FC236}">
+                    <a16:creationId xmlns:a16="http://schemas.microsoft.com/office/drawing/2014/main" id="{FDC1F2B5-C096-6050-BFC6-C8D41F52226A}"/>
+                  </a:ext>
+                </a:extLst>
+              </p:cNvPr>
+              <p:cNvSpPr/>
+              <p:nvPr/>
+            </p:nvSpPr>
+            <p:spPr>
+              <a:xfrm>
+                <a:off x="7988419" y="11865835"/>
+                <a:ext cx="198000" cy="198000"/>
+              </a:xfrm>
+              <a:prstGeom prst="ellipse">
+                <a:avLst/>
+              </a:prstGeom>
+              <a:solidFill>
+                <a:srgbClr val="FFFF00"/>
+              </a:solidFill>
+              <a:ln>
+                <a:solidFill>
+                  <a:schemeClr val="tx1"/>
+                </a:solidFill>
+              </a:ln>
+            </p:spPr>
+            <p:style>
+              <a:lnRef idx="2">
+                <a:schemeClr val="accent1">
+                  <a:shade val="15000"/>
+                </a:schemeClr>
+              </a:lnRef>
+              <a:fillRef idx="1">
+                <a:schemeClr val="accent1"/>
+              </a:fillRef>
+              <a:effectRef idx="0">
+                <a:schemeClr val="accent1"/>
+              </a:effectRef>
+              <a:fontRef idx="minor">
+                <a:schemeClr val="lt1"/>
+              </a:fontRef>
+            </p:style>
+            <p:txBody>
+              <a:bodyPr rtlCol="0" anchor="ctr"/>
+              <a:lstStyle/>
+              <a:p>
+                <a:pPr algn="ctr"/>
+                <a:endParaRPr lang="ko-KR" altLang="en-US"/>
+              </a:p>
+            </p:txBody>
+          </p:sp>
+        </p:grpSp>
+        <p:grpSp>
+          <p:nvGrpSpPr>
+            <p:cNvPr id="129" name="그룹 128">
+              <a:extLst>
+                <a:ext uri="{FF2B5EF4-FFF2-40B4-BE49-F238E27FC236}">
+                  <a16:creationId xmlns:a16="http://schemas.microsoft.com/office/drawing/2014/main" id="{647B2096-3DB1-DF91-4B8E-E555F599B09E}"/>
+                </a:ext>
+              </a:extLst>
+            </p:cNvPr>
+            <p:cNvGrpSpPr/>
+            <p:nvPr/>
+          </p:nvGrpSpPr>
+          <p:grpSpPr>
+            <a:xfrm rot="4249259">
+              <a:off x="12508864" y="11493484"/>
+              <a:ext cx="3455446" cy="2117175"/>
+              <a:chOff x="11829650" y="7152717"/>
+              <a:chExt cx="3455446" cy="2117175"/>
+            </a:xfrm>
+          </p:grpSpPr>
+          <p:sp>
+            <p:nvSpPr>
+              <p:cNvPr id="99" name="타원 98">
+                <a:extLst>
+                  <a:ext uri="{FF2B5EF4-FFF2-40B4-BE49-F238E27FC236}">
+                    <a16:creationId xmlns:a16="http://schemas.microsoft.com/office/drawing/2014/main" id="{9C4247F8-8FF0-0D87-7399-E543A964C81C}"/>
+                  </a:ext>
+                </a:extLst>
+              </p:cNvPr>
+              <p:cNvSpPr/>
+              <p:nvPr/>
+            </p:nvSpPr>
+            <p:spPr>
+              <a:xfrm>
+                <a:off x="11829650" y="7792847"/>
+                <a:ext cx="198000" cy="198000"/>
+              </a:xfrm>
+              <a:prstGeom prst="ellipse">
+                <a:avLst/>
+              </a:prstGeom>
+              <a:solidFill>
+                <a:srgbClr val="FFFF00"/>
+              </a:solidFill>
+              <a:ln>
+                <a:solidFill>
+                  <a:schemeClr val="tx1"/>
+                </a:solidFill>
+              </a:ln>
+            </p:spPr>
+            <p:style>
+              <a:lnRef idx="2">
+                <a:schemeClr val="accent1">
+                  <a:shade val="15000"/>
+                </a:schemeClr>
+              </a:lnRef>
+              <a:fillRef idx="1">
+                <a:schemeClr val="accent1"/>
+              </a:fillRef>
+              <a:effectRef idx="0">
+                <a:schemeClr val="accent1"/>
+              </a:effectRef>
+              <a:fontRef idx="minor">
+                <a:schemeClr val="lt1"/>
+              </a:fontRef>
+            </p:style>
+            <p:txBody>
+              <a:bodyPr rtlCol="0" anchor="ctr"/>
+              <a:lstStyle/>
+              <a:p>
+                <a:pPr algn="ctr"/>
+                <a:endParaRPr lang="ko-KR" altLang="en-US" dirty="0"/>
+              </a:p>
+            </p:txBody>
+          </p:sp>
+          <p:sp>
+            <p:nvSpPr>
+              <p:cNvPr id="101" name="타원 100">
+                <a:extLst>
+                  <a:ext uri="{FF2B5EF4-FFF2-40B4-BE49-F238E27FC236}">
+                    <a16:creationId xmlns:a16="http://schemas.microsoft.com/office/drawing/2014/main" id="{C8FC58ED-432E-8D80-9F0C-C43399062D51}"/>
+                  </a:ext>
+                </a:extLst>
+              </p:cNvPr>
+              <p:cNvSpPr/>
+              <p:nvPr/>
+            </p:nvSpPr>
+            <p:spPr>
+              <a:xfrm>
+                <a:off x="12143402" y="7152717"/>
+                <a:ext cx="108000" cy="108000"/>
+              </a:xfrm>
+              <a:prstGeom prst="ellipse">
+                <a:avLst/>
+              </a:prstGeom>
+              <a:solidFill>
+                <a:srgbClr val="FFFF00"/>
+              </a:solidFill>
+              <a:ln>
+                <a:solidFill>
+                  <a:schemeClr val="tx1"/>
+                </a:solidFill>
+              </a:ln>
+            </p:spPr>
+            <p:style>
+              <a:lnRef idx="2">
+                <a:schemeClr val="accent1">
+                  <a:shade val="15000"/>
+                </a:schemeClr>
+              </a:lnRef>
+              <a:fillRef idx="1">
+                <a:schemeClr val="accent1"/>
+              </a:fillRef>
+              <a:effectRef idx="0">
+                <a:schemeClr val="accent1"/>
+              </a:effectRef>
+              <a:fontRef idx="minor">
+                <a:schemeClr val="lt1"/>
+              </a:fontRef>
+            </p:style>
+            <p:txBody>
+              <a:bodyPr rtlCol="0" anchor="ctr"/>
+              <a:lstStyle/>
+              <a:p>
+                <a:pPr algn="ctr"/>
+                <a:endParaRPr lang="ko-KR" altLang="en-US" dirty="0"/>
+              </a:p>
+            </p:txBody>
+          </p:sp>
+          <p:sp>
+            <p:nvSpPr>
+              <p:cNvPr id="103" name="타원 102">
+                <a:extLst>
+                  <a:ext uri="{FF2B5EF4-FFF2-40B4-BE49-F238E27FC236}">
+                    <a16:creationId xmlns:a16="http://schemas.microsoft.com/office/drawing/2014/main" id="{AD68BA70-5EA1-BD92-A7B4-6B5BF8E63B9F}"/>
+                  </a:ext>
+                </a:extLst>
+              </p:cNvPr>
+              <p:cNvSpPr/>
+              <p:nvPr/>
+            </p:nvSpPr>
+            <p:spPr>
+              <a:xfrm>
+                <a:off x="13247592" y="7405668"/>
+                <a:ext cx="108000" cy="108000"/>
+              </a:xfrm>
+              <a:prstGeom prst="ellipse">
+                <a:avLst/>
+              </a:prstGeom>
+              <a:solidFill>
+                <a:srgbClr val="FFFF00"/>
+              </a:solidFill>
+              <a:ln>
+                <a:solidFill>
+                  <a:schemeClr val="tx1"/>
+                </a:solidFill>
+              </a:ln>
+            </p:spPr>
+            <p:style>
+              <a:lnRef idx="2">
+                <a:schemeClr val="accent1">
+                  <a:shade val="15000"/>
+                </a:schemeClr>
+              </a:lnRef>
+              <a:fillRef idx="1">
+                <a:schemeClr val="accent1"/>
+              </a:fillRef>
+              <a:effectRef idx="0">
+                <a:schemeClr val="accent1"/>
+              </a:effectRef>
+              <a:fontRef idx="minor">
+                <a:schemeClr val="lt1"/>
+              </a:fontRef>
+            </p:style>
+            <p:txBody>
+              <a:bodyPr rtlCol="0" anchor="ctr"/>
+              <a:lstStyle/>
+              <a:p>
+                <a:pPr algn="ctr"/>
+                <a:endParaRPr lang="ko-KR" altLang="en-US" dirty="0"/>
+              </a:p>
+            </p:txBody>
+          </p:sp>
+          <p:sp>
+            <p:nvSpPr>
+              <p:cNvPr id="105" name="타원 104">
+                <a:extLst>
+                  <a:ext uri="{FF2B5EF4-FFF2-40B4-BE49-F238E27FC236}">
+                    <a16:creationId xmlns:a16="http://schemas.microsoft.com/office/drawing/2014/main" id="{47B94068-99C1-B281-F249-7B1409D0052B}"/>
+                  </a:ext>
+                </a:extLst>
+              </p:cNvPr>
+              <p:cNvSpPr/>
+              <p:nvPr/>
+            </p:nvSpPr>
+            <p:spPr>
+              <a:xfrm>
+                <a:off x="13254607" y="8105021"/>
+                <a:ext cx="108000" cy="108000"/>
+              </a:xfrm>
+              <a:prstGeom prst="ellipse">
+                <a:avLst/>
+              </a:prstGeom>
+              <a:solidFill>
+                <a:srgbClr val="FFFF00"/>
+              </a:solidFill>
+              <a:ln>
+                <a:solidFill>
+                  <a:schemeClr val="tx1"/>
+                </a:solidFill>
+              </a:ln>
+            </p:spPr>
+            <p:style>
+              <a:lnRef idx="2">
+                <a:schemeClr val="accent1">
+                  <a:shade val="15000"/>
+                </a:schemeClr>
+              </a:lnRef>
+              <a:fillRef idx="1">
+                <a:schemeClr val="accent1"/>
+              </a:fillRef>
+              <a:effectRef idx="0">
+                <a:schemeClr val="accent1"/>
+              </a:effectRef>
+              <a:fontRef idx="minor">
+                <a:schemeClr val="lt1"/>
+              </a:fontRef>
+            </p:style>
+            <p:txBody>
+              <a:bodyPr rtlCol="0" anchor="ctr"/>
+              <a:lstStyle/>
+              <a:p>
+                <a:pPr algn="ctr"/>
+                <a:endParaRPr lang="ko-KR" altLang="en-US"/>
+              </a:p>
+            </p:txBody>
+          </p:sp>
+          <p:sp>
+            <p:nvSpPr>
+              <p:cNvPr id="107" name="타원 106">
+                <a:extLst>
+                  <a:ext uri="{FF2B5EF4-FFF2-40B4-BE49-F238E27FC236}">
+                    <a16:creationId xmlns:a16="http://schemas.microsoft.com/office/drawing/2014/main" id="{78B48F8A-5446-8B99-2589-6D44B899CA5D}"/>
+                  </a:ext>
+                </a:extLst>
+              </p:cNvPr>
+              <p:cNvSpPr/>
+              <p:nvPr/>
+            </p:nvSpPr>
+            <p:spPr>
+              <a:xfrm>
+                <a:off x="13768651" y="8480800"/>
+                <a:ext cx="198000" cy="198000"/>
+              </a:xfrm>
+              <a:prstGeom prst="ellipse">
+                <a:avLst/>
+              </a:prstGeom>
+              <a:solidFill>
+                <a:srgbClr val="FFFF00"/>
+              </a:solidFill>
+              <a:ln>
+                <a:solidFill>
+                  <a:schemeClr val="tx1"/>
+                </a:solidFill>
+              </a:ln>
+            </p:spPr>
+            <p:style>
+              <a:lnRef idx="2">
+                <a:schemeClr val="accent1">
+                  <a:shade val="15000"/>
+                </a:schemeClr>
+              </a:lnRef>
+              <a:fillRef idx="1">
+                <a:schemeClr val="accent1"/>
+              </a:fillRef>
+              <a:effectRef idx="0">
+                <a:schemeClr val="accent1"/>
+              </a:effectRef>
+              <a:fontRef idx="minor">
+                <a:schemeClr val="lt1"/>
+              </a:fontRef>
+            </p:style>
+            <p:txBody>
+              <a:bodyPr rtlCol="0" anchor="ctr"/>
+              <a:lstStyle/>
+              <a:p>
+                <a:pPr algn="ctr"/>
+                <a:endParaRPr lang="ko-KR" altLang="en-US" dirty="0"/>
+              </a:p>
+            </p:txBody>
+          </p:sp>
+          <p:sp>
+            <p:nvSpPr>
+              <p:cNvPr id="109" name="타원 108">
+                <a:extLst>
+                  <a:ext uri="{FF2B5EF4-FFF2-40B4-BE49-F238E27FC236}">
+                    <a16:creationId xmlns:a16="http://schemas.microsoft.com/office/drawing/2014/main" id="{BEA9DA93-1DBC-53B0-F303-95B5EA75BC0C}"/>
+                  </a:ext>
+                </a:extLst>
+              </p:cNvPr>
+              <p:cNvSpPr/>
+              <p:nvPr/>
+            </p:nvSpPr>
+            <p:spPr>
+              <a:xfrm>
+                <a:off x="14195255" y="8985406"/>
+                <a:ext cx="108000" cy="108000"/>
+              </a:xfrm>
+              <a:prstGeom prst="ellipse">
+                <a:avLst/>
+              </a:prstGeom>
+              <a:solidFill>
+                <a:srgbClr val="FFFF00"/>
+              </a:solidFill>
+              <a:ln>
+                <a:solidFill>
+                  <a:schemeClr val="tx1"/>
+                </a:solidFill>
+              </a:ln>
+            </p:spPr>
+            <p:style>
+              <a:lnRef idx="2">
+                <a:schemeClr val="accent1">
+                  <a:shade val="15000"/>
+                </a:schemeClr>
+              </a:lnRef>
+              <a:fillRef idx="1">
+                <a:schemeClr val="accent1"/>
+              </a:fillRef>
+              <a:effectRef idx="0">
+                <a:schemeClr val="accent1"/>
+              </a:effectRef>
+              <a:fontRef idx="minor">
+                <a:schemeClr val="lt1"/>
+              </a:fontRef>
+            </p:style>
+            <p:txBody>
+              <a:bodyPr rtlCol="0" anchor="ctr"/>
+              <a:lstStyle/>
+              <a:p>
+                <a:pPr algn="ctr"/>
+                <a:endParaRPr lang="ko-KR" altLang="en-US"/>
+              </a:p>
+            </p:txBody>
+          </p:sp>
+          <p:sp>
+            <p:nvSpPr>
+              <p:cNvPr id="111" name="타원 110">
+                <a:extLst>
+                  <a:ext uri="{FF2B5EF4-FFF2-40B4-BE49-F238E27FC236}">
+                    <a16:creationId xmlns:a16="http://schemas.microsoft.com/office/drawing/2014/main" id="{27F38800-9096-0450-7170-E0DB435029FD}"/>
+                  </a:ext>
+                </a:extLst>
+              </p:cNvPr>
+              <p:cNvSpPr/>
+              <p:nvPr/>
+            </p:nvSpPr>
+            <p:spPr>
+              <a:xfrm>
+                <a:off x="15177096" y="9161892"/>
+                <a:ext cx="108000" cy="108000"/>
+              </a:xfrm>
+              <a:prstGeom prst="ellipse">
+                <a:avLst/>
+              </a:prstGeom>
+              <a:solidFill>
+                <a:srgbClr val="FFFF00"/>
+              </a:solidFill>
+              <a:ln>
+                <a:solidFill>
+                  <a:schemeClr val="tx1"/>
+                </a:solidFill>
+              </a:ln>
+            </p:spPr>
+            <p:style>
+              <a:lnRef idx="2">
+                <a:schemeClr val="accent1">
+                  <a:shade val="15000"/>
+                </a:schemeClr>
+              </a:lnRef>
+              <a:fillRef idx="1">
+                <a:schemeClr val="accent1"/>
+              </a:fillRef>
+              <a:effectRef idx="0">
+                <a:schemeClr val="accent1"/>
+              </a:effectRef>
+              <a:fontRef idx="minor">
+                <a:schemeClr val="lt1"/>
+              </a:fontRef>
+            </p:style>
+            <p:txBody>
+              <a:bodyPr rtlCol="0" anchor="ctr"/>
+              <a:lstStyle/>
+              <a:p>
+                <a:pPr algn="ctr"/>
+                <a:endParaRPr lang="ko-KR" altLang="en-US" dirty="0"/>
+              </a:p>
+            </p:txBody>
+          </p:sp>
+        </p:grpSp>
+        <p:grpSp>
+          <p:nvGrpSpPr>
+            <p:cNvPr id="128" name="그룹 127">
+              <a:extLst>
+                <a:ext uri="{FF2B5EF4-FFF2-40B4-BE49-F238E27FC236}">
+                  <a16:creationId xmlns:a16="http://schemas.microsoft.com/office/drawing/2014/main" id="{C36C31F7-21BC-E3D9-0F82-7C1A1BA731FA}"/>
+                </a:ext>
+              </a:extLst>
+            </p:cNvPr>
+            <p:cNvGrpSpPr/>
+            <p:nvPr/>
+          </p:nvGrpSpPr>
+          <p:grpSpPr>
+            <a:xfrm rot="4249259">
+              <a:off x="10287730" y="16065534"/>
+              <a:ext cx="4544759" cy="3416435"/>
+              <a:chOff x="15666096" y="9801945"/>
+              <a:chExt cx="4544759" cy="3416435"/>
+            </a:xfrm>
+          </p:grpSpPr>
+          <p:sp>
+            <p:nvSpPr>
+              <p:cNvPr id="113" name="타원 112">
+                <a:extLst>
+                  <a:ext uri="{FF2B5EF4-FFF2-40B4-BE49-F238E27FC236}">
+                    <a16:creationId xmlns:a16="http://schemas.microsoft.com/office/drawing/2014/main" id="{648E72F8-5B1D-8EE9-A8C8-33116D8B7A6A}"/>
+                  </a:ext>
+                </a:extLst>
+              </p:cNvPr>
+              <p:cNvSpPr/>
+              <p:nvPr/>
+            </p:nvSpPr>
+            <p:spPr>
+              <a:xfrm>
+                <a:off x="16072877" y="11746995"/>
+                <a:ext cx="108000" cy="108000"/>
+              </a:xfrm>
+              <a:prstGeom prst="ellipse">
+                <a:avLst/>
+              </a:prstGeom>
+              <a:solidFill>
+                <a:srgbClr val="FFFF00"/>
+              </a:solidFill>
+              <a:ln>
+                <a:solidFill>
+                  <a:schemeClr val="tx1"/>
+                </a:solidFill>
+              </a:ln>
+            </p:spPr>
+            <p:style>
+              <a:lnRef idx="2">
+                <a:schemeClr val="accent1">
+                  <a:shade val="15000"/>
+                </a:schemeClr>
+              </a:lnRef>
+              <a:fillRef idx="1">
+                <a:schemeClr val="accent1"/>
+              </a:fillRef>
+              <a:effectRef idx="0">
+                <a:schemeClr val="accent1"/>
+              </a:effectRef>
+              <a:fontRef idx="minor">
+                <a:schemeClr val="lt1"/>
+              </a:fontRef>
+            </p:style>
+            <p:txBody>
+              <a:bodyPr rtlCol="0" anchor="ctr"/>
+              <a:lstStyle/>
+              <a:p>
+                <a:pPr algn="ctr"/>
+                <a:endParaRPr lang="ko-KR" altLang="en-US" dirty="0"/>
+              </a:p>
+            </p:txBody>
+          </p:sp>
+          <p:sp>
+            <p:nvSpPr>
+              <p:cNvPr id="115" name="타원 114">
+                <a:extLst>
+                  <a:ext uri="{FF2B5EF4-FFF2-40B4-BE49-F238E27FC236}">
+                    <a16:creationId xmlns:a16="http://schemas.microsoft.com/office/drawing/2014/main" id="{88F3A5A5-75F0-C832-1D59-119F28BDD4D8}"/>
+                  </a:ext>
+                </a:extLst>
+              </p:cNvPr>
+              <p:cNvSpPr/>
+              <p:nvPr/>
+            </p:nvSpPr>
+            <p:spPr>
+              <a:xfrm>
+                <a:off x="15666096" y="12641193"/>
+                <a:ext cx="108000" cy="108000"/>
+              </a:xfrm>
+              <a:prstGeom prst="ellipse">
+                <a:avLst/>
+              </a:prstGeom>
+              <a:solidFill>
+                <a:srgbClr val="FFFF00"/>
+              </a:solidFill>
+              <a:ln>
+                <a:solidFill>
+                  <a:schemeClr val="tx1"/>
+                </a:solidFill>
+              </a:ln>
+            </p:spPr>
+            <p:style>
+              <a:lnRef idx="2">
+                <a:schemeClr val="accent1">
+                  <a:shade val="15000"/>
+                </a:schemeClr>
+              </a:lnRef>
+              <a:fillRef idx="1">
+                <a:schemeClr val="accent1"/>
+              </a:fillRef>
+              <a:effectRef idx="0">
+                <a:schemeClr val="accent1"/>
+              </a:effectRef>
+              <a:fontRef idx="minor">
+                <a:schemeClr val="lt1"/>
+              </a:fontRef>
+            </p:style>
+            <p:txBody>
+              <a:bodyPr rtlCol="0" anchor="ctr"/>
+              <a:lstStyle/>
+              <a:p>
+                <a:pPr algn="ctr"/>
+                <a:endParaRPr lang="ko-KR" altLang="en-US" dirty="0"/>
+              </a:p>
+            </p:txBody>
+          </p:sp>
+          <p:sp>
+            <p:nvSpPr>
+              <p:cNvPr id="117" name="타원 116">
+                <a:extLst>
+                  <a:ext uri="{FF2B5EF4-FFF2-40B4-BE49-F238E27FC236}">
+                    <a16:creationId xmlns:a16="http://schemas.microsoft.com/office/drawing/2014/main" id="{5B572522-B183-33B5-A5B5-3D6FFFE8EDFD}"/>
+                  </a:ext>
+                </a:extLst>
+              </p:cNvPr>
+              <p:cNvSpPr/>
+              <p:nvPr/>
+            </p:nvSpPr>
+            <p:spPr>
+              <a:xfrm>
+                <a:off x="16637759" y="13110380"/>
+                <a:ext cx="108000" cy="108000"/>
+              </a:xfrm>
+              <a:prstGeom prst="ellipse">
+                <a:avLst/>
+              </a:prstGeom>
+              <a:solidFill>
+                <a:srgbClr val="FFFF00"/>
+              </a:solidFill>
+              <a:ln>
+                <a:solidFill>
+                  <a:schemeClr val="tx1"/>
+                </a:solidFill>
+              </a:ln>
+            </p:spPr>
+            <p:style>
+              <a:lnRef idx="2">
+                <a:schemeClr val="accent1">
+                  <a:shade val="15000"/>
+                </a:schemeClr>
+              </a:lnRef>
+              <a:fillRef idx="1">
+                <a:schemeClr val="accent1"/>
+              </a:fillRef>
+              <a:effectRef idx="0">
+                <a:schemeClr val="accent1"/>
+              </a:effectRef>
+              <a:fontRef idx="minor">
+                <a:schemeClr val="lt1"/>
+              </a:fontRef>
+            </p:style>
+            <p:txBody>
+              <a:bodyPr rtlCol="0" anchor="ctr"/>
+              <a:lstStyle/>
+              <a:p>
+                <a:pPr algn="ctr"/>
+                <a:endParaRPr lang="ko-KR" altLang="en-US" dirty="0"/>
+              </a:p>
+            </p:txBody>
+          </p:sp>
+          <p:sp>
+            <p:nvSpPr>
+              <p:cNvPr id="119" name="타원 118">
+                <a:extLst>
+                  <a:ext uri="{FF2B5EF4-FFF2-40B4-BE49-F238E27FC236}">
+                    <a16:creationId xmlns:a16="http://schemas.microsoft.com/office/drawing/2014/main" id="{A7AD0E3E-A6EA-FBCA-3A29-442B04E07E18}"/>
+                  </a:ext>
+                </a:extLst>
+              </p:cNvPr>
+              <p:cNvSpPr/>
+              <p:nvPr/>
+            </p:nvSpPr>
+            <p:spPr>
+              <a:xfrm>
+                <a:off x="19503833" y="9801945"/>
+                <a:ext cx="108000" cy="108000"/>
+              </a:xfrm>
+              <a:prstGeom prst="ellipse">
+                <a:avLst/>
+              </a:prstGeom>
+              <a:solidFill>
+                <a:srgbClr val="FFFF00"/>
+              </a:solidFill>
+              <a:ln>
+                <a:solidFill>
+                  <a:schemeClr val="tx1"/>
+                </a:solidFill>
+              </a:ln>
+            </p:spPr>
+            <p:style>
+              <a:lnRef idx="2">
+                <a:schemeClr val="accent1">
+                  <a:shade val="15000"/>
+                </a:schemeClr>
+              </a:lnRef>
+              <a:fillRef idx="1">
+                <a:schemeClr val="accent1"/>
+              </a:fillRef>
+              <a:effectRef idx="0">
+                <a:schemeClr val="accent1"/>
+              </a:effectRef>
+              <a:fontRef idx="minor">
+                <a:schemeClr val="lt1"/>
+              </a:fontRef>
+            </p:style>
+            <p:txBody>
+              <a:bodyPr rtlCol="0" anchor="ctr"/>
+              <a:lstStyle/>
+              <a:p>
+                <a:pPr algn="ctr"/>
+                <a:endParaRPr lang="ko-KR" altLang="en-US"/>
+              </a:p>
+            </p:txBody>
+          </p:sp>
+          <p:sp>
+            <p:nvSpPr>
+              <p:cNvPr id="121" name="타원 120">
+                <a:extLst>
+                  <a:ext uri="{FF2B5EF4-FFF2-40B4-BE49-F238E27FC236}">
+                    <a16:creationId xmlns:a16="http://schemas.microsoft.com/office/drawing/2014/main" id="{6153BE1A-4D23-8F3A-161D-3AEC265D8785}"/>
+                  </a:ext>
+                </a:extLst>
+              </p:cNvPr>
+              <p:cNvSpPr/>
+              <p:nvPr/>
+            </p:nvSpPr>
+            <p:spPr>
+              <a:xfrm>
+                <a:off x="20102855" y="12165430"/>
+                <a:ext cx="108000" cy="108000"/>
+              </a:xfrm>
+              <a:prstGeom prst="ellipse">
+                <a:avLst/>
+              </a:prstGeom>
+              <a:solidFill>
+                <a:srgbClr val="FFFF00"/>
+              </a:solidFill>
+              <a:ln>
+                <a:solidFill>
+                  <a:schemeClr val="tx1"/>
+                </a:solidFill>
+              </a:ln>
+            </p:spPr>
+            <p:style>
+              <a:lnRef idx="2">
+                <a:schemeClr val="accent1">
+                  <a:shade val="15000"/>
+                </a:schemeClr>
+              </a:lnRef>
+              <a:fillRef idx="1">
+                <a:schemeClr val="accent1"/>
+              </a:fillRef>
+              <a:effectRef idx="0">
+                <a:schemeClr val="accent1"/>
+              </a:effectRef>
+              <a:fontRef idx="minor">
+                <a:schemeClr val="lt1"/>
+              </a:fontRef>
+            </p:style>
+            <p:txBody>
+              <a:bodyPr rtlCol="0" anchor="ctr"/>
+              <a:lstStyle/>
+              <a:p>
+                <a:pPr algn="ctr"/>
+                <a:endParaRPr lang="ko-KR" altLang="en-US"/>
+              </a:p>
+            </p:txBody>
+          </p:sp>
+          <p:sp>
+            <p:nvSpPr>
+              <p:cNvPr id="123" name="타원 122">
+                <a:extLst>
+                  <a:ext uri="{FF2B5EF4-FFF2-40B4-BE49-F238E27FC236}">
+                    <a16:creationId xmlns:a16="http://schemas.microsoft.com/office/drawing/2014/main" id="{B805D0E2-921B-F9E8-71EC-61C66D8DFD7C}"/>
+                  </a:ext>
+                </a:extLst>
+              </p:cNvPr>
+              <p:cNvSpPr/>
+              <p:nvPr/>
+            </p:nvSpPr>
+            <p:spPr>
+              <a:xfrm>
+                <a:off x="19041919" y="10001208"/>
+                <a:ext cx="198000" cy="198000"/>
+              </a:xfrm>
+              <a:prstGeom prst="ellipse">
+                <a:avLst/>
+              </a:prstGeom>
+              <a:solidFill>
+                <a:srgbClr val="FFFF00"/>
+              </a:solidFill>
+              <a:ln>
+                <a:solidFill>
+                  <a:schemeClr val="tx1"/>
+                </a:solidFill>
+              </a:ln>
+            </p:spPr>
+            <p:style>
+              <a:lnRef idx="2">
+                <a:schemeClr val="accent1">
+                  <a:shade val="15000"/>
+                </a:schemeClr>
+              </a:lnRef>
+              <a:fillRef idx="1">
+                <a:schemeClr val="accent1"/>
+              </a:fillRef>
+              <a:effectRef idx="0">
+                <a:schemeClr val="accent1"/>
+              </a:effectRef>
+              <a:fontRef idx="minor">
+                <a:schemeClr val="lt1"/>
+              </a:fontRef>
+            </p:style>
+            <p:txBody>
+              <a:bodyPr rtlCol="0" anchor="ctr"/>
+              <a:lstStyle/>
+              <a:p>
+                <a:pPr algn="ctr"/>
+                <a:endParaRPr lang="ko-KR" altLang="en-US" dirty="0"/>
+              </a:p>
+            </p:txBody>
+          </p:sp>
+          <p:sp>
+            <p:nvSpPr>
+              <p:cNvPr id="125" name="타원 124">
+                <a:extLst>
+                  <a:ext uri="{FF2B5EF4-FFF2-40B4-BE49-F238E27FC236}">
+                    <a16:creationId xmlns:a16="http://schemas.microsoft.com/office/drawing/2014/main" id="{9A82FC5A-A1D0-E32A-EA28-4A46067E916E}"/>
+                  </a:ext>
+                </a:extLst>
+              </p:cNvPr>
+              <p:cNvSpPr/>
+              <p:nvPr/>
+            </p:nvSpPr>
+            <p:spPr>
+              <a:xfrm>
+                <a:off x="17781012" y="12153741"/>
+                <a:ext cx="198000" cy="198000"/>
+              </a:xfrm>
+              <a:prstGeom prst="ellipse">
+                <a:avLst/>
+              </a:prstGeom>
+              <a:solidFill>
+                <a:srgbClr val="FFFF00"/>
+              </a:solidFill>
+              <a:ln>
+                <a:solidFill>
+                  <a:schemeClr val="tx1"/>
+                </a:solidFill>
+              </a:ln>
+            </p:spPr>
+            <p:style>
+              <a:lnRef idx="2">
+                <a:schemeClr val="accent1">
+                  <a:shade val="15000"/>
+                </a:schemeClr>
+              </a:lnRef>
+              <a:fillRef idx="1">
+                <a:schemeClr val="accent1"/>
+              </a:fillRef>
+              <a:effectRef idx="0">
+                <a:schemeClr val="accent1"/>
+              </a:effectRef>
+              <a:fontRef idx="minor">
+                <a:schemeClr val="lt1"/>
+              </a:fontRef>
+            </p:style>
+            <p:txBody>
+              <a:bodyPr rtlCol="0" anchor="ctr"/>
+              <a:lstStyle/>
+              <a:p>
+                <a:pPr algn="ctr"/>
+                <a:endParaRPr lang="ko-KR" altLang="en-US" dirty="0"/>
+              </a:p>
+            </p:txBody>
+          </p:sp>
+          <p:sp>
+            <p:nvSpPr>
+              <p:cNvPr id="127" name="타원 126">
+                <a:extLst>
+                  <a:ext uri="{FF2B5EF4-FFF2-40B4-BE49-F238E27FC236}">
+                    <a16:creationId xmlns:a16="http://schemas.microsoft.com/office/drawing/2014/main" id="{196C8E47-69F4-8ADF-B17F-579154B13476}"/>
+                  </a:ext>
+                </a:extLst>
+              </p:cNvPr>
+              <p:cNvSpPr/>
+              <p:nvPr/>
+            </p:nvSpPr>
+            <p:spPr>
+              <a:xfrm>
+                <a:off x="18924919" y="10918940"/>
+                <a:ext cx="432000" cy="432000"/>
+              </a:xfrm>
+              <a:prstGeom prst="ellipse">
+                <a:avLst/>
+              </a:prstGeom>
+              <a:solidFill>
+                <a:srgbClr val="FFFF00"/>
+              </a:solidFill>
+              <a:ln>
+                <a:solidFill>
+                  <a:schemeClr val="tx1"/>
+                </a:solidFill>
+              </a:ln>
+            </p:spPr>
+            <p:style>
+              <a:lnRef idx="2">
+                <a:schemeClr val="accent1">
+                  <a:shade val="15000"/>
+                </a:schemeClr>
+              </a:lnRef>
+              <a:fillRef idx="1">
+                <a:schemeClr val="accent1"/>
+              </a:fillRef>
+              <a:effectRef idx="0">
+                <a:schemeClr val="accent1"/>
+              </a:effectRef>
+              <a:fontRef idx="minor">
+                <a:schemeClr val="lt1"/>
+              </a:fontRef>
+            </p:style>
+            <p:txBody>
+              <a:bodyPr rtlCol="0" anchor="ctr"/>
+              <a:lstStyle/>
+              <a:p>
+                <a:pPr algn="ctr"/>
+                <a:endParaRPr lang="ko-KR" altLang="en-US" dirty="0"/>
+              </a:p>
+            </p:txBody>
+          </p:sp>
+        </p:grpSp>
+      </p:grpSp>
+    </p:spTree>
+    <p:extLst>
+      <p:ext uri="{BB962C8B-B14F-4D97-AF65-F5344CB8AC3E}">
+        <p14:creationId xmlns:p14="http://schemas.microsoft.com/office/powerpoint/2010/main" val="1473624366"/>
+      </p:ext>
+    </p:extLst>
+  </p:cSld>
+  <p:clrMapOvr>
+    <a:masterClrMapping/>
+  </p:clrMapOvr>
+</p:sld>
+</file>
+
 <file path=ppt/theme/theme1.xml><?xml version="1.0" encoding="utf-8"?>
 <a:theme xmlns:a="http://schemas.openxmlformats.org/drawingml/2006/main" name="Office 테마">
   <a:themeElements>
